--- a/server/uploads/SmartSlideGen.pptx
+++ b/server/uploads/SmartSlideGen.pptx
@@ -11,42 +11,6 @@
     <p:sldId id="259" r:id="rId10"/>
     <p:sldId id="260" r:id="rId11"/>
     <p:sldId id="261" r:id="rId12"/>
-    <p:sldId id="262" r:id="rId13"/>
-    <p:sldId id="263" r:id="rId14"/>
-    <p:sldId id="264" r:id="rId15"/>
-    <p:sldId id="265" r:id="rId16"/>
-    <p:sldId id="266" r:id="rId17"/>
-    <p:sldId id="267" r:id="rId18"/>
-    <p:sldId id="268" r:id="rId19"/>
-    <p:sldId id="269" r:id="rId20"/>
-    <p:sldId id="270" r:id="rId21"/>
-    <p:sldId id="271" r:id="rId22"/>
-    <p:sldId id="272" r:id="rId23"/>
-    <p:sldId id="273" r:id="rId24"/>
-    <p:sldId id="274" r:id="rId25"/>
-    <p:sldId id="275" r:id="rId26"/>
-    <p:sldId id="276" r:id="rId27"/>
-    <p:sldId id="277" r:id="rId28"/>
-    <p:sldId id="278" r:id="rId29"/>
-    <p:sldId id="279" r:id="rId30"/>
-    <p:sldId id="280" r:id="rId31"/>
-    <p:sldId id="281" r:id="rId32"/>
-    <p:sldId id="282" r:id="rId33"/>
-    <p:sldId id="283" r:id="rId34"/>
-    <p:sldId id="284" r:id="rId35"/>
-    <p:sldId id="285" r:id="rId36"/>
-    <p:sldId id="286" r:id="rId37"/>
-    <p:sldId id="287" r:id="rId38"/>
-    <p:sldId id="288" r:id="rId39"/>
-    <p:sldId id="289" r:id="rId40"/>
-    <p:sldId id="290" r:id="rId41"/>
-    <p:sldId id="291" r:id="rId42"/>
-    <p:sldId id="292" r:id="rId43"/>
-    <p:sldId id="293" r:id="rId44"/>
-    <p:sldId id="294" r:id="rId45"/>
-    <p:sldId id="295" r:id="rId46"/>
-    <p:sldId id="296" r:id="rId47"/>
-    <p:sldId id="297" r:id="rId48"/>
   </p:sldIdLst>
   <p:sldSz cx="9144000" cy="6858000" type="screen4x3"/>
   <p:notesSz cx="6858000" cy="9144000"/>
@@ -3160,7 +3124,7 @@
               </a:defRPr>
             </a:pPr>
             <a:r>
-              <a:t>Slide Title</a:t>
+              <a:t>Develop AI-Driven Pipeline</a:t>
             </a:r>
           </a:p>
         </p:txBody>
@@ -3187,51 +3151,29 @@
                 </a:solidFill>
               </a:defRPr>
             </a:pPr>
-            <a:r>
-              <a:t>SmartSlideGen: An AI-Powered System for Automated Presentation Creation from Word Documents</a:t>
-            </a:r>
-          </a:p>
-        </p:txBody>
-      </p:sp>
-    </p:spTree>
-  </p:cSld>
-  <p:clrMapOvr>
-    <a:masterClrMapping/>
-  </p:clrMapOvr>
-</p:sld>
-</file>
-
-<file path=ppt/slides/slide10.xml><?xml version="1.0" encoding="utf-8"?>
-<p:sld xmlns:a="http://schemas.openxmlformats.org/drawingml/2006/main" xmlns:p="http://schemas.openxmlformats.org/presentationml/2006/main" xmlns:r="http://schemas.openxmlformats.org/officeDocument/2006/relationships">
-  <p:cSld>
-    <p:bg>
-      <p:bgPr>
-        <a:solidFill>
-          <a:srgbClr val="FF5733"/>
-        </a:solidFill>
-        <a:effectLst/>
-      </p:bgPr>
-    </p:bg>
-    <p:spTree>
-      <p:nvGrpSpPr>
-        <p:cNvPr id="1" name=""/>
-        <p:cNvGrpSpPr/>
-        <p:nvPr/>
-      </p:nvGrpSpPr>
-      <p:grpSpPr/>
-      <p:sp>
-        <p:nvSpPr>
-          <p:cNvPr id="2" name="Title 1"/>
-          <p:cNvSpPr>
-            <a:spLocks noGrp="1"/>
-          </p:cNvSpPr>
-          <p:nvPr>
-            <p:ph type="title"/>
-          </p:nvPr>
-        </p:nvSpPr>
-        <p:spPr/>
-        <p:txBody>
-          <a:bodyPr/>
+          </a:p>
+        </p:txBody>
+      </p:sp>
+      <p:sp>
+        <p:nvSpPr>
+          <p:cNvPr id="4" name="TextBox 3"/>
+          <p:cNvSpPr txBox="1"/>
+          <p:nvPr/>
+        </p:nvSpPr>
+        <p:spPr>
+          <a:xfrm>
+            <a:off x="914400" y="1828800"/>
+            <a:ext cx="7315200" cy="3657600"/>
+          </a:xfrm>
+          <a:prstGeom prst="rect">
+            <a:avLst/>
+          </a:prstGeom>
+          <a:noFill/>
+        </p:spPr>
+        <p:txBody>
+          <a:bodyPr wrap="square">
+            <a:spAutoFit/>
+          </a:bodyPr>
           <a:lstStyle/>
           <a:p>
             <a:pPr>
@@ -3241,793 +3183,6 @@
                 </a:solidFill>
               </a:defRPr>
             </a:pPr>
-            <a:r>
-              <a:t>Slide Title</a:t>
-            </a:r>
-          </a:p>
-        </p:txBody>
-      </p:sp>
-      <p:sp>
-        <p:nvSpPr>
-          <p:cNvPr id="3" name="Content Placeholder 2"/>
-          <p:cNvSpPr>
-            <a:spLocks noGrp="1"/>
-          </p:cNvSpPr>
-          <p:nvPr>
-            <p:ph idx="1"/>
-          </p:nvPr>
-        </p:nvSpPr>
-        <p:spPr/>
-        <p:txBody>
-          <a:bodyPr/>
-          <a:lstStyle/>
-          <a:p>
-            <a:pPr>
-              <a:defRPr>
-                <a:solidFill>
-                  <a:srgbClr val="000000"/>
-                </a:solidFill>
-              </a:defRPr>
-            </a:pPr>
-            <a:r>
-              <a:t>NLP &amp; Document Parsing: Gain hands-on experience extracting and structuring textual data from complex documents.</a:t>
-            </a:r>
-          </a:p>
-        </p:txBody>
-      </p:sp>
-    </p:spTree>
-  </p:cSld>
-  <p:clrMapOvr>
-    <a:masterClrMapping/>
-  </p:clrMapOvr>
-</p:sld>
-</file>
-
-<file path=ppt/slides/slide11.xml><?xml version="1.0" encoding="utf-8"?>
-<p:sld xmlns:a="http://schemas.openxmlformats.org/drawingml/2006/main" xmlns:p="http://schemas.openxmlformats.org/presentationml/2006/main" xmlns:r="http://schemas.openxmlformats.org/officeDocument/2006/relationships">
-  <p:cSld>
-    <p:bg>
-      <p:bgPr>
-        <a:solidFill>
-          <a:srgbClr val="FF5733"/>
-        </a:solidFill>
-        <a:effectLst/>
-      </p:bgPr>
-    </p:bg>
-    <p:spTree>
-      <p:nvGrpSpPr>
-        <p:cNvPr id="1" name=""/>
-        <p:cNvGrpSpPr/>
-        <p:nvPr/>
-      </p:nvGrpSpPr>
-      <p:grpSpPr/>
-      <p:sp>
-        <p:nvSpPr>
-          <p:cNvPr id="2" name="Title 1"/>
-          <p:cNvSpPr>
-            <a:spLocks noGrp="1"/>
-          </p:cNvSpPr>
-          <p:nvPr>
-            <p:ph type="title"/>
-          </p:nvPr>
-        </p:nvSpPr>
-        <p:spPr/>
-        <p:txBody>
-          <a:bodyPr/>
-          <a:lstStyle/>
-          <a:p>
-            <a:pPr>
-              <a:defRPr>
-                <a:solidFill>
-                  <a:srgbClr val="000000"/>
-                </a:solidFill>
-              </a:defRPr>
-            </a:pPr>
-            <a:r>
-              <a:t>Slide Title</a:t>
-            </a:r>
-          </a:p>
-        </p:txBody>
-      </p:sp>
-      <p:sp>
-        <p:nvSpPr>
-          <p:cNvPr id="3" name="Content Placeholder 2"/>
-          <p:cNvSpPr>
-            <a:spLocks noGrp="1"/>
-          </p:cNvSpPr>
-          <p:nvPr>
-            <p:ph idx="1"/>
-          </p:nvPr>
-        </p:nvSpPr>
-        <p:spPr/>
-        <p:txBody>
-          <a:bodyPr/>
-          <a:lstStyle/>
-          <a:p>
-            <a:pPr>
-              <a:defRPr>
-                <a:solidFill>
-                  <a:srgbClr val="000000"/>
-                </a:solidFill>
-              </a:defRPr>
-            </a:pPr>
-            <a:r>
-              <a:t>Computer Vision / Image Processing: Learn how to identify, extract, and place images in presentations.</a:t>
-            </a:r>
-          </a:p>
-        </p:txBody>
-      </p:sp>
-    </p:spTree>
-  </p:cSld>
-  <p:clrMapOvr>
-    <a:masterClrMapping/>
-  </p:clrMapOvr>
-</p:sld>
-</file>
-
-<file path=ppt/slides/slide12.xml><?xml version="1.0" encoding="utf-8"?>
-<p:sld xmlns:a="http://schemas.openxmlformats.org/drawingml/2006/main" xmlns:p="http://schemas.openxmlformats.org/presentationml/2006/main" xmlns:r="http://schemas.openxmlformats.org/officeDocument/2006/relationships">
-  <p:cSld>
-    <p:bg>
-      <p:bgPr>
-        <a:solidFill>
-          <a:srgbClr val="FF5733"/>
-        </a:solidFill>
-        <a:effectLst/>
-      </p:bgPr>
-    </p:bg>
-    <p:spTree>
-      <p:nvGrpSpPr>
-        <p:cNvPr id="1" name=""/>
-        <p:cNvGrpSpPr/>
-        <p:nvPr/>
-      </p:nvGrpSpPr>
-      <p:grpSpPr/>
-      <p:sp>
-        <p:nvSpPr>
-          <p:cNvPr id="2" name="Title 1"/>
-          <p:cNvSpPr>
-            <a:spLocks noGrp="1"/>
-          </p:cNvSpPr>
-          <p:nvPr>
-            <p:ph type="title"/>
-          </p:nvPr>
-        </p:nvSpPr>
-        <p:spPr/>
-        <p:txBody>
-          <a:bodyPr/>
-          <a:lstStyle/>
-          <a:p>
-            <a:pPr>
-              <a:defRPr>
-                <a:solidFill>
-                  <a:srgbClr val="000000"/>
-                </a:solidFill>
-              </a:defRPr>
-            </a:pPr>
-            <a:r>
-              <a:t>Slide Title</a:t>
-            </a:r>
-          </a:p>
-        </p:txBody>
-      </p:sp>
-      <p:sp>
-        <p:nvSpPr>
-          <p:cNvPr id="3" name="Content Placeholder 2"/>
-          <p:cNvSpPr>
-            <a:spLocks noGrp="1"/>
-          </p:cNvSpPr>
-          <p:nvPr>
-            <p:ph idx="1"/>
-          </p:nvPr>
-        </p:nvSpPr>
-        <p:spPr/>
-        <p:txBody>
-          <a:bodyPr/>
-          <a:lstStyle/>
-          <a:p>
-            <a:pPr>
-              <a:defRPr>
-                <a:solidFill>
-                  <a:srgbClr val="000000"/>
-                </a:solidFill>
-              </a:defRPr>
-            </a:pPr>
-            <a:r>
-              <a:t>Generative AI: Utilize text-to-image or AI-based diagram generation (e.g., using Cladue API that generates flowcharts/infographics based on text).</a:t>
-            </a:r>
-          </a:p>
-        </p:txBody>
-      </p:sp>
-    </p:spTree>
-  </p:cSld>
-  <p:clrMapOvr>
-    <a:masterClrMapping/>
-  </p:clrMapOvr>
-</p:sld>
-</file>
-
-<file path=ppt/slides/slide13.xml><?xml version="1.0" encoding="utf-8"?>
-<p:sld xmlns:a="http://schemas.openxmlformats.org/drawingml/2006/main" xmlns:p="http://schemas.openxmlformats.org/presentationml/2006/main" xmlns:r="http://schemas.openxmlformats.org/officeDocument/2006/relationships">
-  <p:cSld>
-    <p:bg>
-      <p:bgPr>
-        <a:solidFill>
-          <a:srgbClr val="FF5733"/>
-        </a:solidFill>
-        <a:effectLst/>
-      </p:bgPr>
-    </p:bg>
-    <p:spTree>
-      <p:nvGrpSpPr>
-        <p:cNvPr id="1" name=""/>
-        <p:cNvGrpSpPr/>
-        <p:nvPr/>
-      </p:nvGrpSpPr>
-      <p:grpSpPr/>
-      <p:sp>
-        <p:nvSpPr>
-          <p:cNvPr id="2" name="Title 1"/>
-          <p:cNvSpPr>
-            <a:spLocks noGrp="1"/>
-          </p:cNvSpPr>
-          <p:nvPr>
-            <p:ph type="title"/>
-          </p:nvPr>
-        </p:nvSpPr>
-        <p:spPr/>
-        <p:txBody>
-          <a:bodyPr/>
-          <a:lstStyle/>
-          <a:p>
-            <a:pPr>
-              <a:defRPr>
-                <a:solidFill>
-                  <a:srgbClr val="000000"/>
-                </a:solidFill>
-              </a:defRPr>
-            </a:pPr>
-            <a:r>
-              <a:t>Slide Title</a:t>
-            </a:r>
-          </a:p>
-        </p:txBody>
-      </p:sp>
-      <p:sp>
-        <p:nvSpPr>
-          <p:cNvPr id="3" name="Content Placeholder 2"/>
-          <p:cNvSpPr>
-            <a:spLocks noGrp="1"/>
-          </p:cNvSpPr>
-          <p:nvPr>
-            <p:ph idx="1"/>
-          </p:nvPr>
-        </p:nvSpPr>
-        <p:spPr/>
-        <p:txBody>
-          <a:bodyPr/>
-          <a:lstStyle/>
-          <a:p>
-            <a:pPr>
-              <a:defRPr>
-                <a:solidFill>
-                  <a:srgbClr val="000000"/>
-                </a:solidFill>
-              </a:defRPr>
-            </a:pPr>
-            <a:r>
-              <a:t>Slide Layout &amp; Design: Understand layout heuristics, design themes, and color consistency for professional presentations.</a:t>
-            </a:r>
-          </a:p>
-        </p:txBody>
-      </p:sp>
-    </p:spTree>
-  </p:cSld>
-  <p:clrMapOvr>
-    <a:masterClrMapping/>
-  </p:clrMapOvr>
-</p:sld>
-</file>
-
-<file path=ppt/slides/slide14.xml><?xml version="1.0" encoding="utf-8"?>
-<p:sld xmlns:a="http://schemas.openxmlformats.org/drawingml/2006/main" xmlns:p="http://schemas.openxmlformats.org/presentationml/2006/main" xmlns:r="http://schemas.openxmlformats.org/officeDocument/2006/relationships">
-  <p:cSld>
-    <p:bg>
-      <p:bgPr>
-        <a:solidFill>
-          <a:srgbClr val="FF5733"/>
-        </a:solidFill>
-        <a:effectLst/>
-      </p:bgPr>
-    </p:bg>
-    <p:spTree>
-      <p:nvGrpSpPr>
-        <p:cNvPr id="1" name=""/>
-        <p:cNvGrpSpPr/>
-        <p:nvPr/>
-      </p:nvGrpSpPr>
-      <p:grpSpPr/>
-      <p:sp>
-        <p:nvSpPr>
-          <p:cNvPr id="2" name="Title 1"/>
-          <p:cNvSpPr>
-            <a:spLocks noGrp="1"/>
-          </p:cNvSpPr>
-          <p:nvPr>
-            <p:ph type="title"/>
-          </p:nvPr>
-        </p:nvSpPr>
-        <p:spPr/>
-        <p:txBody>
-          <a:bodyPr/>
-          <a:lstStyle/>
-          <a:p>
-            <a:pPr>
-              <a:defRPr>
-                <a:solidFill>
-                  <a:srgbClr val="000000"/>
-                </a:solidFill>
-              </a:defRPr>
-            </a:pPr>
-            <a:r>
-              <a:t>Slide Title</a:t>
-            </a:r>
-          </a:p>
-        </p:txBody>
-      </p:sp>
-      <p:sp>
-        <p:nvSpPr>
-          <p:cNvPr id="3" name="Content Placeholder 2"/>
-          <p:cNvSpPr>
-            <a:spLocks noGrp="1"/>
-          </p:cNvSpPr>
-          <p:nvPr>
-            <p:ph idx="1"/>
-          </p:nvPr>
-        </p:nvSpPr>
-        <p:spPr/>
-        <p:txBody>
-          <a:bodyPr/>
-          <a:lstStyle/>
-          <a:p>
-            <a:pPr>
-              <a:defRPr>
-                <a:solidFill>
-                  <a:srgbClr val="000000"/>
-                </a:solidFill>
-              </a:defRPr>
-            </a:pPr>
-            <a:r>
-              <a:t>Systems Integration: Combine multiple AI and software components (e.g., Python libraries, PPT generation libraries, and possibly cloud-based AI services).</a:t>
-            </a:r>
-          </a:p>
-        </p:txBody>
-      </p:sp>
-    </p:spTree>
-  </p:cSld>
-  <p:clrMapOvr>
-    <a:masterClrMapping/>
-  </p:clrMapOvr>
-</p:sld>
-</file>
-
-<file path=ppt/slides/slide15.xml><?xml version="1.0" encoding="utf-8"?>
-<p:sld xmlns:a="http://schemas.openxmlformats.org/drawingml/2006/main" xmlns:p="http://schemas.openxmlformats.org/presentationml/2006/main" xmlns:r="http://schemas.openxmlformats.org/officeDocument/2006/relationships">
-  <p:cSld>
-    <p:bg>
-      <p:bgPr>
-        <a:solidFill>
-          <a:srgbClr val="FF5733"/>
-        </a:solidFill>
-        <a:effectLst/>
-      </p:bgPr>
-    </p:bg>
-    <p:spTree>
-      <p:nvGrpSpPr>
-        <p:cNvPr id="1" name=""/>
-        <p:cNvGrpSpPr/>
-        <p:nvPr/>
-      </p:nvGrpSpPr>
-      <p:grpSpPr/>
-      <p:sp>
-        <p:nvSpPr>
-          <p:cNvPr id="2" name="Title 1"/>
-          <p:cNvSpPr>
-            <a:spLocks noGrp="1"/>
-          </p:cNvSpPr>
-          <p:nvPr>
-            <p:ph type="title"/>
-          </p:nvPr>
-        </p:nvSpPr>
-        <p:spPr/>
-        <p:txBody>
-          <a:bodyPr/>
-          <a:lstStyle/>
-          <a:p>
-            <a:pPr>
-              <a:defRPr>
-                <a:solidFill>
-                  <a:srgbClr val="000000"/>
-                </a:solidFill>
-              </a:defRPr>
-            </a:pPr>
-            <a:r>
-              <a:t>Slide Title</a:t>
-            </a:r>
-          </a:p>
-        </p:txBody>
-      </p:sp>
-      <p:sp>
-        <p:nvSpPr>
-          <p:cNvPr id="3" name="Content Placeholder 2"/>
-          <p:cNvSpPr>
-            <a:spLocks noGrp="1"/>
-          </p:cNvSpPr>
-          <p:nvPr>
-            <p:ph idx="1"/>
-          </p:nvPr>
-        </p:nvSpPr>
-        <p:spPr/>
-        <p:txBody>
-          <a:bodyPr/>
-          <a:lstStyle/>
-          <a:p>
-            <a:pPr>
-              <a:defRPr>
-                <a:solidFill>
-                  <a:srgbClr val="000000"/>
-                </a:solidFill>
-              </a:defRPr>
-            </a:pPr>
-            <a:r>
-              <a:t>Project Components &amp; Tasks</a:t>
-            </a:r>
-          </a:p>
-        </p:txBody>
-      </p:sp>
-    </p:spTree>
-  </p:cSld>
-  <p:clrMapOvr>
-    <a:masterClrMapping/>
-  </p:clrMapOvr>
-</p:sld>
-</file>
-
-<file path=ppt/slides/slide16.xml><?xml version="1.0" encoding="utf-8"?>
-<p:sld xmlns:a="http://schemas.openxmlformats.org/drawingml/2006/main" xmlns:p="http://schemas.openxmlformats.org/presentationml/2006/main" xmlns:r="http://schemas.openxmlformats.org/officeDocument/2006/relationships">
-  <p:cSld>
-    <p:bg>
-      <p:bgPr>
-        <a:solidFill>
-          <a:srgbClr val="FF5733"/>
-        </a:solidFill>
-        <a:effectLst/>
-      </p:bgPr>
-    </p:bg>
-    <p:spTree>
-      <p:nvGrpSpPr>
-        <p:cNvPr id="1" name=""/>
-        <p:cNvGrpSpPr/>
-        <p:nvPr/>
-      </p:nvGrpSpPr>
-      <p:grpSpPr/>
-      <p:sp>
-        <p:nvSpPr>
-          <p:cNvPr id="2" name="Title 1"/>
-          <p:cNvSpPr>
-            <a:spLocks noGrp="1"/>
-          </p:cNvSpPr>
-          <p:nvPr>
-            <p:ph type="title"/>
-          </p:nvPr>
-        </p:nvSpPr>
-        <p:spPr/>
-        <p:txBody>
-          <a:bodyPr/>
-          <a:lstStyle/>
-          <a:p>
-            <a:pPr>
-              <a:defRPr>
-                <a:solidFill>
-                  <a:srgbClr val="000000"/>
-                </a:solidFill>
-              </a:defRPr>
-            </a:pPr>
-            <a:r>
-              <a:t>Slide Title</a:t>
-            </a:r>
-          </a:p>
-        </p:txBody>
-      </p:sp>
-      <p:sp>
-        <p:nvSpPr>
-          <p:cNvPr id="3" name="Content Placeholder 2"/>
-          <p:cNvSpPr>
-            <a:spLocks noGrp="1"/>
-          </p:cNvSpPr>
-          <p:nvPr>
-            <p:ph idx="1"/>
-          </p:nvPr>
-        </p:nvSpPr>
-        <p:spPr/>
-        <p:txBody>
-          <a:bodyPr/>
-          <a:lstStyle/>
-          <a:p>
-            <a:pPr>
-              <a:defRPr>
-                <a:solidFill>
-                  <a:srgbClr val="000000"/>
-                </a:solidFill>
-              </a:defRPr>
-            </a:pPr>
-            <a:r>
-              <a:t>Text Extraction and Slide Generation (you will get the code for this)</a:t>
-            </a:r>
-          </a:p>
-          <a:p>
-            <a:pPr>
-              <a:defRPr>
-                <a:solidFill>
-                  <a:srgbClr val="000000"/>
-                </a:solidFill>
-              </a:defRPr>
-            </a:pPr>
-          </a:p>
-          <a:p>
-            <a:pPr>
-              <a:defRPr>
-                <a:solidFill>
-                  <a:srgbClr val="000000"/>
-                </a:solidFill>
-              </a:defRPr>
-            </a:pPr>
-          </a:p>
-        </p:txBody>
-      </p:sp>
-    </p:spTree>
-  </p:cSld>
-  <p:clrMapOvr>
-    <a:masterClrMapping/>
-  </p:clrMapOvr>
-</p:sld>
-</file>
-
-<file path=ppt/slides/slide17.xml><?xml version="1.0" encoding="utf-8"?>
-<p:sld xmlns:a="http://schemas.openxmlformats.org/drawingml/2006/main" xmlns:p="http://schemas.openxmlformats.org/presentationml/2006/main" xmlns:r="http://schemas.openxmlformats.org/officeDocument/2006/relationships">
-  <p:cSld>
-    <p:bg>
-      <p:bgPr>
-        <a:solidFill>
-          <a:srgbClr val="FF5733"/>
-        </a:solidFill>
-        <a:effectLst/>
-      </p:bgPr>
-    </p:bg>
-    <p:spTree>
-      <p:nvGrpSpPr>
-        <p:cNvPr id="1" name=""/>
-        <p:cNvGrpSpPr/>
-        <p:nvPr/>
-      </p:nvGrpSpPr>
-      <p:grpSpPr/>
-      <p:sp>
-        <p:nvSpPr>
-          <p:cNvPr id="2" name="Title 1"/>
-          <p:cNvSpPr>
-            <a:spLocks noGrp="1"/>
-          </p:cNvSpPr>
-          <p:nvPr>
-            <p:ph type="title"/>
-          </p:nvPr>
-        </p:nvSpPr>
-        <p:spPr/>
-        <p:txBody>
-          <a:bodyPr/>
-          <a:lstStyle/>
-          <a:p>
-            <a:pPr>
-              <a:defRPr>
-                <a:solidFill>
-                  <a:srgbClr val="000000"/>
-                </a:solidFill>
-              </a:defRPr>
-            </a:pPr>
-            <a:r>
-              <a:t>Slide Title</a:t>
-            </a:r>
-          </a:p>
-        </p:txBody>
-      </p:sp>
-      <p:sp>
-        <p:nvSpPr>
-          <p:cNvPr id="3" name="Content Placeholder 2"/>
-          <p:cNvSpPr>
-            <a:spLocks noGrp="1"/>
-          </p:cNvSpPr>
-          <p:nvPr>
-            <p:ph idx="1"/>
-          </p:nvPr>
-        </p:nvSpPr>
-        <p:spPr/>
-        <p:txBody>
-          <a:bodyPr/>
-          <a:lstStyle/>
-          <a:p>
-            <a:pPr>
-              <a:defRPr>
-                <a:solidFill>
-                  <a:srgbClr val="000000"/>
-                </a:solidFill>
-              </a:defRPr>
-            </a:pPr>
-            <a:r>
-              <a:t>Figure Extraction</a:t>
-            </a:r>
-          </a:p>
-        </p:txBody>
-      </p:sp>
-    </p:spTree>
-  </p:cSld>
-  <p:clrMapOvr>
-    <a:masterClrMapping/>
-  </p:clrMapOvr>
-</p:sld>
-</file>
-
-<file path=ppt/slides/slide18.xml><?xml version="1.0" encoding="utf-8"?>
-<p:sld xmlns:a="http://schemas.openxmlformats.org/drawingml/2006/main" xmlns:p="http://schemas.openxmlformats.org/presentationml/2006/main" xmlns:r="http://schemas.openxmlformats.org/officeDocument/2006/relationships">
-  <p:cSld>
-    <p:bg>
-      <p:bgPr>
-        <a:solidFill>
-          <a:srgbClr val="FF5733"/>
-        </a:solidFill>
-        <a:effectLst/>
-      </p:bgPr>
-    </p:bg>
-    <p:spTree>
-      <p:nvGrpSpPr>
-        <p:cNvPr id="1" name=""/>
-        <p:cNvGrpSpPr/>
-        <p:nvPr/>
-      </p:nvGrpSpPr>
-      <p:grpSpPr/>
-      <p:sp>
-        <p:nvSpPr>
-          <p:cNvPr id="2" name="Title 1"/>
-          <p:cNvSpPr>
-            <a:spLocks noGrp="1"/>
-          </p:cNvSpPr>
-          <p:nvPr>
-            <p:ph type="title"/>
-          </p:nvPr>
-        </p:nvSpPr>
-        <p:spPr/>
-        <p:txBody>
-          <a:bodyPr/>
-          <a:lstStyle/>
-          <a:p>
-            <a:pPr>
-              <a:defRPr>
-                <a:solidFill>
-                  <a:srgbClr val="000000"/>
-                </a:solidFill>
-              </a:defRPr>
-            </a:pPr>
-            <a:r>
-              <a:t>Slide Title</a:t>
-            </a:r>
-          </a:p>
-        </p:txBody>
-      </p:sp>
-      <p:sp>
-        <p:nvSpPr>
-          <p:cNvPr id="3" name="Content Placeholder 2"/>
-          <p:cNvSpPr>
-            <a:spLocks noGrp="1"/>
-          </p:cNvSpPr>
-          <p:nvPr>
-            <p:ph idx="1"/>
-          </p:nvPr>
-        </p:nvSpPr>
-        <p:spPr/>
-        <p:txBody>
-          <a:bodyPr/>
-          <a:lstStyle/>
-          <a:p>
-            <a:pPr>
-              <a:defRPr>
-                <a:solidFill>
-                  <a:srgbClr val="000000"/>
-                </a:solidFill>
-              </a:defRPr>
-            </a:pPr>
-            <a:r>
-              <a:t>Identify &amp; Extract Figures</a:t>
-            </a:r>
-          </a:p>
-        </p:txBody>
-      </p:sp>
-    </p:spTree>
-  </p:cSld>
-  <p:clrMapOvr>
-    <a:masterClrMapping/>
-  </p:clrMapOvr>
-</p:sld>
-</file>
-
-<file path=ppt/slides/slide19.xml><?xml version="1.0" encoding="utf-8"?>
-<p:sld xmlns:a="http://schemas.openxmlformats.org/drawingml/2006/main" xmlns:p="http://schemas.openxmlformats.org/presentationml/2006/main" xmlns:r="http://schemas.openxmlformats.org/officeDocument/2006/relationships">
-  <p:cSld>
-    <p:bg>
-      <p:bgPr>
-        <a:solidFill>
-          <a:srgbClr val="FF5733"/>
-        </a:solidFill>
-        <a:effectLst/>
-      </p:bgPr>
-    </p:bg>
-    <p:spTree>
-      <p:nvGrpSpPr>
-        <p:cNvPr id="1" name=""/>
-        <p:cNvGrpSpPr/>
-        <p:nvPr/>
-      </p:nvGrpSpPr>
-      <p:grpSpPr/>
-      <p:sp>
-        <p:nvSpPr>
-          <p:cNvPr id="2" name="Title 1"/>
-          <p:cNvSpPr>
-            <a:spLocks noGrp="1"/>
-          </p:cNvSpPr>
-          <p:nvPr>
-            <p:ph type="title"/>
-          </p:nvPr>
-        </p:nvSpPr>
-        <p:spPr/>
-        <p:txBody>
-          <a:bodyPr/>
-          <a:lstStyle/>
-          <a:p>
-            <a:pPr>
-              <a:defRPr>
-                <a:solidFill>
-                  <a:srgbClr val="000000"/>
-                </a:solidFill>
-              </a:defRPr>
-            </a:pPr>
-            <a:r>
-              <a:t>Slide Title</a:t>
-            </a:r>
-          </a:p>
-        </p:txBody>
-      </p:sp>
-      <p:sp>
-        <p:nvSpPr>
-          <p:cNvPr id="3" name="Content Placeholder 2"/>
-          <p:cNvSpPr>
-            <a:spLocks noGrp="1"/>
-          </p:cNvSpPr>
-          <p:nvPr>
-            <p:ph idx="1"/>
-          </p:nvPr>
-        </p:nvSpPr>
-        <p:spPr/>
-        <p:txBody>
-          <a:bodyPr/>
-          <a:lstStyle/>
-          <a:p>
-            <a:pPr>
-              <a:defRPr>
-                <a:solidFill>
-                  <a:srgbClr val="000000"/>
-                </a:solidFill>
-              </a:defRPr>
-            </a:pPr>
-            <a:r>
-              <a:t>Parse the Word document for embedded images, charts, or tables.</a:t>
-            </a:r>
           </a:p>
         </p:txBody>
       </p:sp>
@@ -4080,7 +3235,7 @@
               </a:defRPr>
             </a:pPr>
             <a:r>
-              <a:t>Slide Title</a:t>
+              <a:t>Learn Key Objectives</a:t>
             </a:r>
           </a:p>
         </p:txBody>
@@ -4107,51 +3262,29 @@
                 </a:solidFill>
               </a:defRPr>
             </a:pPr>
-            <a:r>
-              <a:t>Summary</a:t>
-            </a:r>
-          </a:p>
-        </p:txBody>
-      </p:sp>
-    </p:spTree>
-  </p:cSld>
-  <p:clrMapOvr>
-    <a:masterClrMapping/>
-  </p:clrMapOvr>
-</p:sld>
-</file>
-
-<file path=ppt/slides/slide20.xml><?xml version="1.0" encoding="utf-8"?>
-<p:sld xmlns:a="http://schemas.openxmlformats.org/drawingml/2006/main" xmlns:p="http://schemas.openxmlformats.org/presentationml/2006/main" xmlns:r="http://schemas.openxmlformats.org/officeDocument/2006/relationships">
-  <p:cSld>
-    <p:bg>
-      <p:bgPr>
-        <a:solidFill>
-          <a:srgbClr val="FF5733"/>
-        </a:solidFill>
-        <a:effectLst/>
-      </p:bgPr>
-    </p:bg>
-    <p:spTree>
-      <p:nvGrpSpPr>
-        <p:cNvPr id="1" name=""/>
-        <p:cNvGrpSpPr/>
-        <p:nvPr/>
-      </p:nvGrpSpPr>
-      <p:grpSpPr/>
-      <p:sp>
-        <p:nvSpPr>
-          <p:cNvPr id="2" name="Title 1"/>
-          <p:cNvSpPr>
-            <a:spLocks noGrp="1"/>
-          </p:cNvSpPr>
-          <p:nvPr>
-            <p:ph type="title"/>
-          </p:nvPr>
-        </p:nvSpPr>
-        <p:spPr/>
-        <p:txBody>
-          <a:bodyPr/>
+          </a:p>
+        </p:txBody>
+      </p:sp>
+      <p:sp>
+        <p:nvSpPr>
+          <p:cNvPr id="4" name="TextBox 3"/>
+          <p:cNvSpPr txBox="1"/>
+          <p:nvPr/>
+        </p:nvSpPr>
+        <p:spPr>
+          <a:xfrm>
+            <a:off x="914400" y="1828800"/>
+            <a:ext cx="7315200" cy="3657600"/>
+          </a:xfrm>
+          <a:prstGeom prst="rect">
+            <a:avLst/>
+          </a:prstGeom>
+          <a:noFill/>
+        </p:spPr>
+        <p:txBody>
+          <a:bodyPr wrap="square">
+            <a:spAutoFit/>
+          </a:bodyPr>
           <a:lstStyle/>
           <a:p>
             <a:pPr>
@@ -4161,793 +3294,6 @@
                 </a:solidFill>
               </a:defRPr>
             </a:pPr>
-            <a:r>
-              <a:t>Slide Title</a:t>
-            </a:r>
-          </a:p>
-        </p:txBody>
-      </p:sp>
-      <p:sp>
-        <p:nvSpPr>
-          <p:cNvPr id="3" name="Content Placeholder 2"/>
-          <p:cNvSpPr>
-            <a:spLocks noGrp="1"/>
-          </p:cNvSpPr>
-          <p:nvPr>
-            <p:ph idx="1"/>
-          </p:nvPr>
-        </p:nvSpPr>
-        <p:spPr/>
-        <p:txBody>
-          <a:bodyPr/>
-          <a:lstStyle/>
-          <a:p>
-            <a:pPr>
-              <a:defRPr>
-                <a:solidFill>
-                  <a:srgbClr val="000000"/>
-                </a:solidFill>
-              </a:defRPr>
-            </a:pPr>
-            <a:r>
-              <a:t>Decide how to store and reference these figures (e.g., saving them to a temporary folder).</a:t>
-            </a:r>
-          </a:p>
-        </p:txBody>
-      </p:sp>
-    </p:spTree>
-  </p:cSld>
-  <p:clrMapOvr>
-    <a:masterClrMapping/>
-  </p:clrMapOvr>
-</p:sld>
-</file>
-
-<file path=ppt/slides/slide21.xml><?xml version="1.0" encoding="utf-8"?>
-<p:sld xmlns:a="http://schemas.openxmlformats.org/drawingml/2006/main" xmlns:p="http://schemas.openxmlformats.org/presentationml/2006/main" xmlns:r="http://schemas.openxmlformats.org/officeDocument/2006/relationships">
-  <p:cSld>
-    <p:bg>
-      <p:bgPr>
-        <a:solidFill>
-          <a:srgbClr val="FF5733"/>
-        </a:solidFill>
-        <a:effectLst/>
-      </p:bgPr>
-    </p:bg>
-    <p:spTree>
-      <p:nvGrpSpPr>
-        <p:cNvPr id="1" name=""/>
-        <p:cNvGrpSpPr/>
-        <p:nvPr/>
-      </p:nvGrpSpPr>
-      <p:grpSpPr/>
-      <p:sp>
-        <p:nvSpPr>
-          <p:cNvPr id="2" name="Title 1"/>
-          <p:cNvSpPr>
-            <a:spLocks noGrp="1"/>
-          </p:cNvSpPr>
-          <p:nvPr>
-            <p:ph type="title"/>
-          </p:nvPr>
-        </p:nvSpPr>
-        <p:spPr/>
-        <p:txBody>
-          <a:bodyPr/>
-          <a:lstStyle/>
-          <a:p>
-            <a:pPr>
-              <a:defRPr>
-                <a:solidFill>
-                  <a:srgbClr val="000000"/>
-                </a:solidFill>
-              </a:defRPr>
-            </a:pPr>
-            <a:r>
-              <a:t>Slide Title</a:t>
-            </a:r>
-          </a:p>
-        </p:txBody>
-      </p:sp>
-      <p:sp>
-        <p:nvSpPr>
-          <p:cNvPr id="3" name="Content Placeholder 2"/>
-          <p:cNvSpPr>
-            <a:spLocks noGrp="1"/>
-          </p:cNvSpPr>
-          <p:nvPr>
-            <p:ph idx="1"/>
-          </p:nvPr>
-        </p:nvSpPr>
-        <p:spPr/>
-        <p:txBody>
-          <a:bodyPr/>
-          <a:lstStyle/>
-          <a:p>
-            <a:pPr>
-              <a:defRPr>
-                <a:solidFill>
-                  <a:srgbClr val="000000"/>
-                </a:solidFill>
-              </a:defRPr>
-            </a:pPr>
-            <a:r>
-              <a:t>Slide-Figure Mapping</a:t>
-            </a:r>
-          </a:p>
-        </p:txBody>
-      </p:sp>
-    </p:spTree>
-  </p:cSld>
-  <p:clrMapOvr>
-    <a:masterClrMapping/>
-  </p:clrMapOvr>
-</p:sld>
-</file>
-
-<file path=ppt/slides/slide22.xml><?xml version="1.0" encoding="utf-8"?>
-<p:sld xmlns:a="http://schemas.openxmlformats.org/drawingml/2006/main" xmlns:p="http://schemas.openxmlformats.org/presentationml/2006/main" xmlns:r="http://schemas.openxmlformats.org/officeDocument/2006/relationships">
-  <p:cSld>
-    <p:bg>
-      <p:bgPr>
-        <a:solidFill>
-          <a:srgbClr val="FF5733"/>
-        </a:solidFill>
-        <a:effectLst/>
-      </p:bgPr>
-    </p:bg>
-    <p:spTree>
-      <p:nvGrpSpPr>
-        <p:cNvPr id="1" name=""/>
-        <p:cNvGrpSpPr/>
-        <p:nvPr/>
-      </p:nvGrpSpPr>
-      <p:grpSpPr/>
-      <p:sp>
-        <p:nvSpPr>
-          <p:cNvPr id="2" name="Title 1"/>
-          <p:cNvSpPr>
-            <a:spLocks noGrp="1"/>
-          </p:cNvSpPr>
-          <p:nvPr>
-            <p:ph type="title"/>
-          </p:nvPr>
-        </p:nvSpPr>
-        <p:spPr/>
-        <p:txBody>
-          <a:bodyPr/>
-          <a:lstStyle/>
-          <a:p>
-            <a:pPr>
-              <a:defRPr>
-                <a:solidFill>
-                  <a:srgbClr val="000000"/>
-                </a:solidFill>
-              </a:defRPr>
-            </a:pPr>
-            <a:r>
-              <a:t>Slide Title</a:t>
-            </a:r>
-          </a:p>
-        </p:txBody>
-      </p:sp>
-      <p:sp>
-        <p:nvSpPr>
-          <p:cNvPr id="3" name="Content Placeholder 2"/>
-          <p:cNvSpPr>
-            <a:spLocks noGrp="1"/>
-          </p:cNvSpPr>
-          <p:nvPr>
-            <p:ph idx="1"/>
-          </p:nvPr>
-        </p:nvSpPr>
-        <p:spPr/>
-        <p:txBody>
-          <a:bodyPr/>
-          <a:lstStyle/>
-          <a:p>
-            <a:pPr>
-              <a:defRPr>
-                <a:solidFill>
-                  <a:srgbClr val="000000"/>
-                </a:solidFill>
-              </a:defRPr>
-            </a:pPr>
-            <a:r>
-              <a:t>Use rules or an AI-based classifier (e.g., using the text around the figure) to determine which slide(s) the figure should be placed on.</a:t>
-            </a:r>
-          </a:p>
-        </p:txBody>
-      </p:sp>
-    </p:spTree>
-  </p:cSld>
-  <p:clrMapOvr>
-    <a:masterClrMapping/>
-  </p:clrMapOvr>
-</p:sld>
-</file>
-
-<file path=ppt/slides/slide23.xml><?xml version="1.0" encoding="utf-8"?>
-<p:sld xmlns:a="http://schemas.openxmlformats.org/drawingml/2006/main" xmlns:p="http://schemas.openxmlformats.org/presentationml/2006/main" xmlns:r="http://schemas.openxmlformats.org/officeDocument/2006/relationships">
-  <p:cSld>
-    <p:bg>
-      <p:bgPr>
-        <a:solidFill>
-          <a:srgbClr val="FF5733"/>
-        </a:solidFill>
-        <a:effectLst/>
-      </p:bgPr>
-    </p:bg>
-    <p:spTree>
-      <p:nvGrpSpPr>
-        <p:cNvPr id="1" name=""/>
-        <p:cNvGrpSpPr/>
-        <p:nvPr/>
-      </p:nvGrpSpPr>
-      <p:grpSpPr/>
-      <p:sp>
-        <p:nvSpPr>
-          <p:cNvPr id="2" name="Title 1"/>
-          <p:cNvSpPr>
-            <a:spLocks noGrp="1"/>
-          </p:cNvSpPr>
-          <p:nvPr>
-            <p:ph type="title"/>
-          </p:nvPr>
-        </p:nvSpPr>
-        <p:spPr/>
-        <p:txBody>
-          <a:bodyPr/>
-          <a:lstStyle/>
-          <a:p>
-            <a:pPr>
-              <a:defRPr>
-                <a:solidFill>
-                  <a:srgbClr val="000000"/>
-                </a:solidFill>
-              </a:defRPr>
-            </a:pPr>
-            <a:r>
-              <a:t>Slide Title</a:t>
-            </a:r>
-          </a:p>
-        </p:txBody>
-      </p:sp>
-      <p:sp>
-        <p:nvSpPr>
-          <p:cNvPr id="3" name="Content Placeholder 2"/>
-          <p:cNvSpPr>
-            <a:spLocks noGrp="1"/>
-          </p:cNvSpPr>
-          <p:nvPr>
-            <p:ph idx="1"/>
-          </p:nvPr>
-        </p:nvSpPr>
-        <p:spPr/>
-        <p:txBody>
-          <a:bodyPr/>
-          <a:lstStyle/>
-          <a:p>
-            <a:pPr>
-              <a:defRPr>
-                <a:solidFill>
-                  <a:srgbClr val="000000"/>
-                </a:solidFill>
-              </a:defRPr>
-            </a:pPr>
-            <a:r>
-              <a:t>If the figure is large or highly detailed, consider creating a separate slide.</a:t>
-            </a:r>
-          </a:p>
-          <a:p>
-            <a:pPr>
-              <a:defRPr>
-                <a:solidFill>
-                  <a:srgbClr val="000000"/>
-                </a:solidFill>
-              </a:defRPr>
-            </a:pPr>
-          </a:p>
-          <a:p>
-            <a:pPr>
-              <a:defRPr>
-                <a:solidFill>
-                  <a:srgbClr val="000000"/>
-                </a:solidFill>
-              </a:defRPr>
-            </a:pPr>
-          </a:p>
-        </p:txBody>
-      </p:sp>
-    </p:spTree>
-  </p:cSld>
-  <p:clrMapOvr>
-    <a:masterClrMapping/>
-  </p:clrMapOvr>
-</p:sld>
-</file>
-
-<file path=ppt/slides/slide24.xml><?xml version="1.0" encoding="utf-8"?>
-<p:sld xmlns:a="http://schemas.openxmlformats.org/drawingml/2006/main" xmlns:p="http://schemas.openxmlformats.org/presentationml/2006/main" xmlns:r="http://schemas.openxmlformats.org/officeDocument/2006/relationships">
-  <p:cSld>
-    <p:bg>
-      <p:bgPr>
-        <a:solidFill>
-          <a:srgbClr val="FF5733"/>
-        </a:solidFill>
-        <a:effectLst/>
-      </p:bgPr>
-    </p:bg>
-    <p:spTree>
-      <p:nvGrpSpPr>
-        <p:cNvPr id="1" name=""/>
-        <p:cNvGrpSpPr/>
-        <p:nvPr/>
-      </p:nvGrpSpPr>
-      <p:grpSpPr/>
-      <p:sp>
-        <p:nvSpPr>
-          <p:cNvPr id="2" name="Title 1"/>
-          <p:cNvSpPr>
-            <a:spLocks noGrp="1"/>
-          </p:cNvSpPr>
-          <p:nvPr>
-            <p:ph type="title"/>
-          </p:nvPr>
-        </p:nvSpPr>
-        <p:spPr/>
-        <p:txBody>
-          <a:bodyPr/>
-          <a:lstStyle/>
-          <a:p>
-            <a:pPr>
-              <a:defRPr>
-                <a:solidFill>
-                  <a:srgbClr val="000000"/>
-                </a:solidFill>
-              </a:defRPr>
-            </a:pPr>
-            <a:r>
-              <a:t>Slide Title</a:t>
-            </a:r>
-          </a:p>
-        </p:txBody>
-      </p:sp>
-      <p:sp>
-        <p:nvSpPr>
-          <p:cNvPr id="3" name="Content Placeholder 2"/>
-          <p:cNvSpPr>
-            <a:spLocks noGrp="1"/>
-          </p:cNvSpPr>
-          <p:nvPr>
-            <p:ph idx="1"/>
-          </p:nvPr>
-        </p:nvSpPr>
-        <p:spPr/>
-        <p:txBody>
-          <a:bodyPr/>
-          <a:lstStyle/>
-          <a:p>
-            <a:pPr>
-              <a:defRPr>
-                <a:solidFill>
-                  <a:srgbClr val="000000"/>
-                </a:solidFill>
-              </a:defRPr>
-            </a:pPr>
-            <a:r>
-              <a:t>Generating New Figures</a:t>
-            </a:r>
-          </a:p>
-        </p:txBody>
-      </p:sp>
-    </p:spTree>
-  </p:cSld>
-  <p:clrMapOvr>
-    <a:masterClrMapping/>
-  </p:clrMapOvr>
-</p:sld>
-</file>
-
-<file path=ppt/slides/slide25.xml><?xml version="1.0" encoding="utf-8"?>
-<p:sld xmlns:a="http://schemas.openxmlformats.org/drawingml/2006/main" xmlns:p="http://schemas.openxmlformats.org/presentationml/2006/main" xmlns:r="http://schemas.openxmlformats.org/officeDocument/2006/relationships">
-  <p:cSld>
-    <p:bg>
-      <p:bgPr>
-        <a:solidFill>
-          <a:srgbClr val="FF5733"/>
-        </a:solidFill>
-        <a:effectLst/>
-      </p:bgPr>
-    </p:bg>
-    <p:spTree>
-      <p:nvGrpSpPr>
-        <p:cNvPr id="1" name=""/>
-        <p:cNvGrpSpPr/>
-        <p:nvPr/>
-      </p:nvGrpSpPr>
-      <p:grpSpPr/>
-      <p:sp>
-        <p:nvSpPr>
-          <p:cNvPr id="2" name="Title 1"/>
-          <p:cNvSpPr>
-            <a:spLocks noGrp="1"/>
-          </p:cNvSpPr>
-          <p:nvPr>
-            <p:ph type="title"/>
-          </p:nvPr>
-        </p:nvSpPr>
-        <p:spPr/>
-        <p:txBody>
-          <a:bodyPr/>
-          <a:lstStyle/>
-          <a:p>
-            <a:pPr>
-              <a:defRPr>
-                <a:solidFill>
-                  <a:srgbClr val="000000"/>
-                </a:solidFill>
-              </a:defRPr>
-            </a:pPr>
-            <a:r>
-              <a:t>Slide Title</a:t>
-            </a:r>
-          </a:p>
-        </p:txBody>
-      </p:sp>
-      <p:sp>
-        <p:nvSpPr>
-          <p:cNvPr id="3" name="Content Placeholder 2"/>
-          <p:cNvSpPr>
-            <a:spLocks noGrp="1"/>
-          </p:cNvSpPr>
-          <p:nvPr>
-            <p:ph idx="1"/>
-          </p:nvPr>
-        </p:nvSpPr>
-        <p:spPr/>
-        <p:txBody>
-          <a:bodyPr/>
-          <a:lstStyle/>
-          <a:p>
-            <a:pPr>
-              <a:defRPr>
-                <a:solidFill>
-                  <a:srgbClr val="000000"/>
-                </a:solidFill>
-              </a:defRPr>
-            </a:pPr>
-            <a:r>
-              <a:t>Identify Content Needing Visual Aid</a:t>
-            </a:r>
-          </a:p>
-        </p:txBody>
-      </p:sp>
-    </p:spTree>
-  </p:cSld>
-  <p:clrMapOvr>
-    <a:masterClrMapping/>
-  </p:clrMapOvr>
-</p:sld>
-</file>
-
-<file path=ppt/slides/slide26.xml><?xml version="1.0" encoding="utf-8"?>
-<p:sld xmlns:a="http://schemas.openxmlformats.org/drawingml/2006/main" xmlns:p="http://schemas.openxmlformats.org/presentationml/2006/main" xmlns:r="http://schemas.openxmlformats.org/officeDocument/2006/relationships">
-  <p:cSld>
-    <p:bg>
-      <p:bgPr>
-        <a:solidFill>
-          <a:srgbClr val="FF5733"/>
-        </a:solidFill>
-        <a:effectLst/>
-      </p:bgPr>
-    </p:bg>
-    <p:spTree>
-      <p:nvGrpSpPr>
-        <p:cNvPr id="1" name=""/>
-        <p:cNvGrpSpPr/>
-        <p:nvPr/>
-      </p:nvGrpSpPr>
-      <p:grpSpPr/>
-      <p:sp>
-        <p:nvSpPr>
-          <p:cNvPr id="2" name="Title 1"/>
-          <p:cNvSpPr>
-            <a:spLocks noGrp="1"/>
-          </p:cNvSpPr>
-          <p:nvPr>
-            <p:ph type="title"/>
-          </p:nvPr>
-        </p:nvSpPr>
-        <p:spPr/>
-        <p:txBody>
-          <a:bodyPr/>
-          <a:lstStyle/>
-          <a:p>
-            <a:pPr>
-              <a:defRPr>
-                <a:solidFill>
-                  <a:srgbClr val="000000"/>
-                </a:solidFill>
-              </a:defRPr>
-            </a:pPr>
-            <a:r>
-              <a:t>Slide Title</a:t>
-            </a:r>
-          </a:p>
-        </p:txBody>
-      </p:sp>
-      <p:sp>
-        <p:nvSpPr>
-          <p:cNvPr id="3" name="Content Placeholder 2"/>
-          <p:cNvSpPr>
-            <a:spLocks noGrp="1"/>
-          </p:cNvSpPr>
-          <p:nvPr>
-            <p:ph idx="1"/>
-          </p:nvPr>
-        </p:nvSpPr>
-        <p:spPr/>
-        <p:txBody>
-          <a:bodyPr/>
-          <a:lstStyle/>
-          <a:p>
-            <a:pPr>
-              <a:defRPr>
-                <a:solidFill>
-                  <a:srgbClr val="000000"/>
-                </a:solidFill>
-              </a:defRPr>
-            </a:pPr>
-            <a:r>
-              <a:t>Apply NLP to detect keywords such as “process,” “steps,” “workflow,” or complex data references.</a:t>
-            </a:r>
-          </a:p>
-        </p:txBody>
-      </p:sp>
-    </p:spTree>
-  </p:cSld>
-  <p:clrMapOvr>
-    <a:masterClrMapping/>
-  </p:clrMapOvr>
-</p:sld>
-</file>
-
-<file path=ppt/slides/slide27.xml><?xml version="1.0" encoding="utf-8"?>
-<p:sld xmlns:a="http://schemas.openxmlformats.org/drawingml/2006/main" xmlns:p="http://schemas.openxmlformats.org/presentationml/2006/main" xmlns:r="http://schemas.openxmlformats.org/officeDocument/2006/relationships">
-  <p:cSld>
-    <p:bg>
-      <p:bgPr>
-        <a:solidFill>
-          <a:srgbClr val="FF5733"/>
-        </a:solidFill>
-        <a:effectLst/>
-      </p:bgPr>
-    </p:bg>
-    <p:spTree>
-      <p:nvGrpSpPr>
-        <p:cNvPr id="1" name=""/>
-        <p:cNvGrpSpPr/>
-        <p:nvPr/>
-      </p:nvGrpSpPr>
-      <p:grpSpPr/>
-      <p:sp>
-        <p:nvSpPr>
-          <p:cNvPr id="2" name="Title 1"/>
-          <p:cNvSpPr>
-            <a:spLocks noGrp="1"/>
-          </p:cNvSpPr>
-          <p:nvPr>
-            <p:ph type="title"/>
-          </p:nvPr>
-        </p:nvSpPr>
-        <p:spPr/>
-        <p:txBody>
-          <a:bodyPr/>
-          <a:lstStyle/>
-          <a:p>
-            <a:pPr>
-              <a:defRPr>
-                <a:solidFill>
-                  <a:srgbClr val="000000"/>
-                </a:solidFill>
-              </a:defRPr>
-            </a:pPr>
-            <a:r>
-              <a:t>Slide Title</a:t>
-            </a:r>
-          </a:p>
-        </p:txBody>
-      </p:sp>
-      <p:sp>
-        <p:nvSpPr>
-          <p:cNvPr id="3" name="Content Placeholder 2"/>
-          <p:cNvSpPr>
-            <a:spLocks noGrp="1"/>
-          </p:cNvSpPr>
-          <p:nvPr>
-            <p:ph idx="1"/>
-          </p:nvPr>
-        </p:nvSpPr>
-        <p:spPr/>
-        <p:txBody>
-          <a:bodyPr/>
-          <a:lstStyle/>
-          <a:p>
-            <a:pPr>
-              <a:defRPr>
-                <a:solidFill>
-                  <a:srgbClr val="000000"/>
-                </a:solidFill>
-              </a:defRPr>
-            </a:pPr>
-            <a:r>
-              <a:t>When such keywords are detected without any accompanying figure, suggest generating a new visual (infographic, flowchart, timeline, etc.).</a:t>
-            </a:r>
-          </a:p>
-        </p:txBody>
-      </p:sp>
-    </p:spTree>
-  </p:cSld>
-  <p:clrMapOvr>
-    <a:masterClrMapping/>
-  </p:clrMapOvr>
-</p:sld>
-</file>
-
-<file path=ppt/slides/slide28.xml><?xml version="1.0" encoding="utf-8"?>
-<p:sld xmlns:a="http://schemas.openxmlformats.org/drawingml/2006/main" xmlns:p="http://schemas.openxmlformats.org/presentationml/2006/main" xmlns:r="http://schemas.openxmlformats.org/officeDocument/2006/relationships">
-  <p:cSld>
-    <p:bg>
-      <p:bgPr>
-        <a:solidFill>
-          <a:srgbClr val="FF5733"/>
-        </a:solidFill>
-        <a:effectLst/>
-      </p:bgPr>
-    </p:bg>
-    <p:spTree>
-      <p:nvGrpSpPr>
-        <p:cNvPr id="1" name=""/>
-        <p:cNvGrpSpPr/>
-        <p:nvPr/>
-      </p:nvGrpSpPr>
-      <p:grpSpPr/>
-      <p:sp>
-        <p:nvSpPr>
-          <p:cNvPr id="2" name="Title 1"/>
-          <p:cNvSpPr>
-            <a:spLocks noGrp="1"/>
-          </p:cNvSpPr>
-          <p:nvPr>
-            <p:ph type="title"/>
-          </p:nvPr>
-        </p:nvSpPr>
-        <p:spPr/>
-        <p:txBody>
-          <a:bodyPr/>
-          <a:lstStyle/>
-          <a:p>
-            <a:pPr>
-              <a:defRPr>
-                <a:solidFill>
-                  <a:srgbClr val="000000"/>
-                </a:solidFill>
-              </a:defRPr>
-            </a:pPr>
-            <a:r>
-              <a:t>Slide Title</a:t>
-            </a:r>
-          </a:p>
-        </p:txBody>
-      </p:sp>
-      <p:sp>
-        <p:nvSpPr>
-          <p:cNvPr id="3" name="Content Placeholder 2"/>
-          <p:cNvSpPr>
-            <a:spLocks noGrp="1"/>
-          </p:cNvSpPr>
-          <p:nvPr>
-            <p:ph idx="1"/>
-          </p:nvPr>
-        </p:nvSpPr>
-        <p:spPr/>
-        <p:txBody>
-          <a:bodyPr/>
-          <a:lstStyle/>
-          <a:p>
-            <a:pPr>
-              <a:defRPr>
-                <a:solidFill>
-                  <a:srgbClr val="000000"/>
-                </a:solidFill>
-              </a:defRPr>
-            </a:pPr>
-            <a:r>
-              <a:t>Figure Generation</a:t>
-            </a:r>
-          </a:p>
-        </p:txBody>
-      </p:sp>
-    </p:spTree>
-  </p:cSld>
-  <p:clrMapOvr>
-    <a:masterClrMapping/>
-  </p:clrMapOvr>
-</p:sld>
-</file>
-
-<file path=ppt/slides/slide29.xml><?xml version="1.0" encoding="utf-8"?>
-<p:sld xmlns:a="http://schemas.openxmlformats.org/drawingml/2006/main" xmlns:p="http://schemas.openxmlformats.org/presentationml/2006/main" xmlns:r="http://schemas.openxmlformats.org/officeDocument/2006/relationships">
-  <p:cSld>
-    <p:bg>
-      <p:bgPr>
-        <a:solidFill>
-          <a:srgbClr val="FF5733"/>
-        </a:solidFill>
-        <a:effectLst/>
-      </p:bgPr>
-    </p:bg>
-    <p:spTree>
-      <p:nvGrpSpPr>
-        <p:cNvPr id="1" name=""/>
-        <p:cNvGrpSpPr/>
-        <p:nvPr/>
-      </p:nvGrpSpPr>
-      <p:grpSpPr/>
-      <p:sp>
-        <p:nvSpPr>
-          <p:cNvPr id="2" name="Title 1"/>
-          <p:cNvSpPr>
-            <a:spLocks noGrp="1"/>
-          </p:cNvSpPr>
-          <p:nvPr>
-            <p:ph type="title"/>
-          </p:nvPr>
-        </p:nvSpPr>
-        <p:spPr/>
-        <p:txBody>
-          <a:bodyPr/>
-          <a:lstStyle/>
-          <a:p>
-            <a:pPr>
-              <a:defRPr>
-                <a:solidFill>
-                  <a:srgbClr val="000000"/>
-                </a:solidFill>
-              </a:defRPr>
-            </a:pPr>
-            <a:r>
-              <a:t>Slide Title</a:t>
-            </a:r>
-          </a:p>
-        </p:txBody>
-      </p:sp>
-      <p:sp>
-        <p:nvSpPr>
-          <p:cNvPr id="3" name="Content Placeholder 2"/>
-          <p:cNvSpPr>
-            <a:spLocks noGrp="1"/>
-          </p:cNvSpPr>
-          <p:nvPr>
-            <p:ph idx="1"/>
-          </p:nvPr>
-        </p:nvSpPr>
-        <p:spPr/>
-        <p:txBody>
-          <a:bodyPr/>
-          <a:lstStyle/>
-          <a:p>
-            <a:pPr>
-              <a:defRPr>
-                <a:solidFill>
-                  <a:srgbClr val="000000"/>
-                </a:solidFill>
-              </a:defRPr>
-            </a:pPr>
-            <a:r>
-              <a:t>For flowcharts/sequence diagrams:</a:t>
-            </a:r>
           </a:p>
         </p:txBody>
       </p:sp>
@@ -5000,7 +3346,7 @@
               </a:defRPr>
             </a:pPr>
             <a:r>
-              <a:t>Slide Title</a:t>
+              <a:t>Execute Project Components</a:t>
             </a:r>
           </a:p>
         </p:txBody>
@@ -5027,51 +3373,29 @@
                 </a:solidFill>
               </a:defRPr>
             </a:pPr>
-            <a:r>
-              <a:t>In this project, students will develop an AI-driven pipeline to convert a Microsoft Word document into a well-structured PowerPoint presentation. The system should:</a:t>
-            </a:r>
-          </a:p>
-        </p:txBody>
-      </p:sp>
-    </p:spTree>
-  </p:cSld>
-  <p:clrMapOvr>
-    <a:masterClrMapping/>
-  </p:clrMapOvr>
-</p:sld>
-</file>
-
-<file path=ppt/slides/slide30.xml><?xml version="1.0" encoding="utf-8"?>
-<p:sld xmlns:a="http://schemas.openxmlformats.org/drawingml/2006/main" xmlns:p="http://schemas.openxmlformats.org/presentationml/2006/main" xmlns:r="http://schemas.openxmlformats.org/officeDocument/2006/relationships">
-  <p:cSld>
-    <p:bg>
-      <p:bgPr>
-        <a:solidFill>
-          <a:srgbClr val="FF5733"/>
-        </a:solidFill>
-        <a:effectLst/>
-      </p:bgPr>
-    </p:bg>
-    <p:spTree>
-      <p:nvGrpSpPr>
-        <p:cNvPr id="1" name=""/>
-        <p:cNvGrpSpPr/>
-        <p:nvPr/>
-      </p:nvGrpSpPr>
-      <p:grpSpPr/>
-      <p:sp>
-        <p:nvSpPr>
-          <p:cNvPr id="2" name="Title 1"/>
-          <p:cNvSpPr>
-            <a:spLocks noGrp="1"/>
-          </p:cNvSpPr>
-          <p:nvPr>
-            <p:ph type="title"/>
-          </p:nvPr>
-        </p:nvSpPr>
-        <p:spPr/>
-        <p:txBody>
-          <a:bodyPr/>
+          </a:p>
+        </p:txBody>
+      </p:sp>
+      <p:sp>
+        <p:nvSpPr>
+          <p:cNvPr id="4" name="TextBox 3"/>
+          <p:cNvSpPr txBox="1"/>
+          <p:nvPr/>
+        </p:nvSpPr>
+        <p:spPr>
+          <a:xfrm>
+            <a:off x="914400" y="1828800"/>
+            <a:ext cx="7315200" cy="3657600"/>
+          </a:xfrm>
+          <a:prstGeom prst="rect">
+            <a:avLst/>
+          </a:prstGeom>
+          <a:noFill/>
+        </p:spPr>
+        <p:txBody>
+          <a:bodyPr wrap="square">
+            <a:spAutoFit/>
+          </a:bodyPr>
           <a:lstStyle/>
           <a:p>
             <a:pPr>
@@ -5081,793 +3405,6 @@
                 </a:solidFill>
               </a:defRPr>
             </a:pPr>
-            <a:r>
-              <a:t>Slide Title</a:t>
-            </a:r>
-          </a:p>
-        </p:txBody>
-      </p:sp>
-      <p:sp>
-        <p:nvSpPr>
-          <p:cNvPr id="3" name="Content Placeholder 2"/>
-          <p:cNvSpPr>
-            <a:spLocks noGrp="1"/>
-          </p:cNvSpPr>
-          <p:nvPr>
-            <p:ph idx="1"/>
-          </p:nvPr>
-        </p:nvSpPr>
-        <p:spPr/>
-        <p:txBody>
-          <a:bodyPr/>
-          <a:lstStyle/>
-          <a:p>
-            <a:pPr>
-              <a:defRPr>
-                <a:solidFill>
-                  <a:srgbClr val="000000"/>
-                </a:solidFill>
-              </a:defRPr>
-            </a:pPr>
-            <a:r>
-              <a:t>Use a diagram generation tool (like Mermaid or PlantUML) or an LLM-based approach that generates diagram syntax from text.</a:t>
-            </a:r>
-          </a:p>
-        </p:txBody>
-      </p:sp>
-    </p:spTree>
-  </p:cSld>
-  <p:clrMapOvr>
-    <a:masterClrMapping/>
-  </p:clrMapOvr>
-</p:sld>
-</file>
-
-<file path=ppt/slides/slide31.xml><?xml version="1.0" encoding="utf-8"?>
-<p:sld xmlns:a="http://schemas.openxmlformats.org/drawingml/2006/main" xmlns:p="http://schemas.openxmlformats.org/presentationml/2006/main" xmlns:r="http://schemas.openxmlformats.org/officeDocument/2006/relationships">
-  <p:cSld>
-    <p:bg>
-      <p:bgPr>
-        <a:solidFill>
-          <a:srgbClr val="FF5733"/>
-        </a:solidFill>
-        <a:effectLst/>
-      </p:bgPr>
-    </p:bg>
-    <p:spTree>
-      <p:nvGrpSpPr>
-        <p:cNvPr id="1" name=""/>
-        <p:cNvGrpSpPr/>
-        <p:nvPr/>
-      </p:nvGrpSpPr>
-      <p:grpSpPr/>
-      <p:sp>
-        <p:nvSpPr>
-          <p:cNvPr id="2" name="Title 1"/>
-          <p:cNvSpPr>
-            <a:spLocks noGrp="1"/>
-          </p:cNvSpPr>
-          <p:nvPr>
-            <p:ph type="title"/>
-          </p:nvPr>
-        </p:nvSpPr>
-        <p:spPr/>
-        <p:txBody>
-          <a:bodyPr/>
-          <a:lstStyle/>
-          <a:p>
-            <a:pPr>
-              <a:defRPr>
-                <a:solidFill>
-                  <a:srgbClr val="000000"/>
-                </a:solidFill>
-              </a:defRPr>
-            </a:pPr>
-            <a:r>
-              <a:t>Slide Title</a:t>
-            </a:r>
-          </a:p>
-        </p:txBody>
-      </p:sp>
-      <p:sp>
-        <p:nvSpPr>
-          <p:cNvPr id="3" name="Content Placeholder 2"/>
-          <p:cNvSpPr>
-            <a:spLocks noGrp="1"/>
-          </p:cNvSpPr>
-          <p:nvPr>
-            <p:ph idx="1"/>
-          </p:nvPr>
-        </p:nvSpPr>
-        <p:spPr/>
-        <p:txBody>
-          <a:bodyPr/>
-          <a:lstStyle/>
-          <a:p>
-            <a:pPr>
-              <a:defRPr>
-                <a:solidFill>
-                  <a:srgbClr val="000000"/>
-                </a:solidFill>
-              </a:defRPr>
-            </a:pPr>
-            <a:r>
-              <a:t>For infographics or illustrative images:</a:t>
-            </a:r>
-          </a:p>
-        </p:txBody>
-      </p:sp>
-    </p:spTree>
-  </p:cSld>
-  <p:clrMapOvr>
-    <a:masterClrMapping/>
-  </p:clrMapOvr>
-</p:sld>
-</file>
-
-<file path=ppt/slides/slide32.xml><?xml version="1.0" encoding="utf-8"?>
-<p:sld xmlns:a="http://schemas.openxmlformats.org/drawingml/2006/main" xmlns:p="http://schemas.openxmlformats.org/presentationml/2006/main" xmlns:r="http://schemas.openxmlformats.org/officeDocument/2006/relationships">
-  <p:cSld>
-    <p:bg>
-      <p:bgPr>
-        <a:solidFill>
-          <a:srgbClr val="FF5733"/>
-        </a:solidFill>
-        <a:effectLst/>
-      </p:bgPr>
-    </p:bg>
-    <p:spTree>
-      <p:nvGrpSpPr>
-        <p:cNvPr id="1" name=""/>
-        <p:cNvGrpSpPr/>
-        <p:nvPr/>
-      </p:nvGrpSpPr>
-      <p:grpSpPr/>
-      <p:sp>
-        <p:nvSpPr>
-          <p:cNvPr id="2" name="Title 1"/>
-          <p:cNvSpPr>
-            <a:spLocks noGrp="1"/>
-          </p:cNvSpPr>
-          <p:nvPr>
-            <p:ph type="title"/>
-          </p:nvPr>
-        </p:nvSpPr>
-        <p:spPr/>
-        <p:txBody>
-          <a:bodyPr/>
-          <a:lstStyle/>
-          <a:p>
-            <a:pPr>
-              <a:defRPr>
-                <a:solidFill>
-                  <a:srgbClr val="000000"/>
-                </a:solidFill>
-              </a:defRPr>
-            </a:pPr>
-            <a:r>
-              <a:t>Slide Title</a:t>
-            </a:r>
-          </a:p>
-        </p:txBody>
-      </p:sp>
-      <p:sp>
-        <p:nvSpPr>
-          <p:cNvPr id="3" name="Content Placeholder 2"/>
-          <p:cNvSpPr>
-            <a:spLocks noGrp="1"/>
-          </p:cNvSpPr>
-          <p:nvPr>
-            <p:ph idx="1"/>
-          </p:nvPr>
-        </p:nvSpPr>
-        <p:spPr/>
-        <p:txBody>
-          <a:bodyPr/>
-          <a:lstStyle/>
-          <a:p>
-            <a:pPr>
-              <a:defRPr>
-                <a:solidFill>
-                  <a:srgbClr val="000000"/>
-                </a:solidFill>
-              </a:defRPr>
-            </a:pPr>
-            <a:r>
-              <a:t>Use a text-to-image model (e.g., Stable Diffusion, Midjourney, or DALL·E) to create simple explanatory graphics.</a:t>
-            </a:r>
-          </a:p>
-        </p:txBody>
-      </p:sp>
-    </p:spTree>
-  </p:cSld>
-  <p:clrMapOvr>
-    <a:masterClrMapping/>
-  </p:clrMapOvr>
-</p:sld>
-</file>
-
-<file path=ppt/slides/slide33.xml><?xml version="1.0" encoding="utf-8"?>
-<p:sld xmlns:a="http://schemas.openxmlformats.org/drawingml/2006/main" xmlns:p="http://schemas.openxmlformats.org/presentationml/2006/main" xmlns:r="http://schemas.openxmlformats.org/officeDocument/2006/relationships">
-  <p:cSld>
-    <p:bg>
-      <p:bgPr>
-        <a:solidFill>
-          <a:srgbClr val="FF5733"/>
-        </a:solidFill>
-        <a:effectLst/>
-      </p:bgPr>
-    </p:bg>
-    <p:spTree>
-      <p:nvGrpSpPr>
-        <p:cNvPr id="1" name=""/>
-        <p:cNvGrpSpPr/>
-        <p:nvPr/>
-      </p:nvGrpSpPr>
-      <p:grpSpPr/>
-      <p:sp>
-        <p:nvSpPr>
-          <p:cNvPr id="2" name="Title 1"/>
-          <p:cNvSpPr>
-            <a:spLocks noGrp="1"/>
-          </p:cNvSpPr>
-          <p:nvPr>
-            <p:ph type="title"/>
-          </p:nvPr>
-        </p:nvSpPr>
-        <p:spPr/>
-        <p:txBody>
-          <a:bodyPr/>
-          <a:lstStyle/>
-          <a:p>
-            <a:pPr>
-              <a:defRPr>
-                <a:solidFill>
-                  <a:srgbClr val="000000"/>
-                </a:solidFill>
-              </a:defRPr>
-            </a:pPr>
-            <a:r>
-              <a:t>Slide Title</a:t>
-            </a:r>
-          </a:p>
-        </p:txBody>
-      </p:sp>
-      <p:sp>
-        <p:nvSpPr>
-          <p:cNvPr id="3" name="Content Placeholder 2"/>
-          <p:cNvSpPr>
-            <a:spLocks noGrp="1"/>
-          </p:cNvSpPr>
-          <p:nvPr>
-            <p:ph idx="1"/>
-          </p:nvPr>
-        </p:nvSpPr>
-        <p:spPr/>
-        <p:txBody>
-          <a:bodyPr/>
-          <a:lstStyle/>
-          <a:p>
-            <a:pPr>
-              <a:defRPr>
-                <a:solidFill>
-                  <a:srgbClr val="000000"/>
-                </a:solidFill>
-              </a:defRPr>
-            </a:pPr>
-            <a:r>
-              <a:t>Automate the insertion of these newly generated figures onto slides.</a:t>
-            </a:r>
-          </a:p>
-          <a:p>
-            <a:pPr>
-              <a:defRPr>
-                <a:solidFill>
-                  <a:srgbClr val="000000"/>
-                </a:solidFill>
-              </a:defRPr>
-            </a:pPr>
-          </a:p>
-          <a:p>
-            <a:pPr>
-              <a:defRPr>
-                <a:solidFill>
-                  <a:srgbClr val="000000"/>
-                </a:solidFill>
-              </a:defRPr>
-            </a:pPr>
-          </a:p>
-        </p:txBody>
-      </p:sp>
-    </p:spTree>
-  </p:cSld>
-  <p:clrMapOvr>
-    <a:masterClrMapping/>
-  </p:clrMapOvr>
-</p:sld>
-</file>
-
-<file path=ppt/slides/slide34.xml><?xml version="1.0" encoding="utf-8"?>
-<p:sld xmlns:a="http://schemas.openxmlformats.org/drawingml/2006/main" xmlns:p="http://schemas.openxmlformats.org/presentationml/2006/main" xmlns:r="http://schemas.openxmlformats.org/officeDocument/2006/relationships">
-  <p:cSld>
-    <p:bg>
-      <p:bgPr>
-        <a:solidFill>
-          <a:srgbClr val="FF5733"/>
-        </a:solidFill>
-        <a:effectLst/>
-      </p:bgPr>
-    </p:bg>
-    <p:spTree>
-      <p:nvGrpSpPr>
-        <p:cNvPr id="1" name=""/>
-        <p:cNvGrpSpPr/>
-        <p:nvPr/>
-      </p:nvGrpSpPr>
-      <p:grpSpPr/>
-      <p:sp>
-        <p:nvSpPr>
-          <p:cNvPr id="2" name="Title 1"/>
-          <p:cNvSpPr>
-            <a:spLocks noGrp="1"/>
-          </p:cNvSpPr>
-          <p:nvPr>
-            <p:ph type="title"/>
-          </p:nvPr>
-        </p:nvSpPr>
-        <p:spPr/>
-        <p:txBody>
-          <a:bodyPr/>
-          <a:lstStyle/>
-          <a:p>
-            <a:pPr>
-              <a:defRPr>
-                <a:solidFill>
-                  <a:srgbClr val="000000"/>
-                </a:solidFill>
-              </a:defRPr>
-            </a:pPr>
-            <a:r>
-              <a:t>Slide Title</a:t>
-            </a:r>
-          </a:p>
-        </p:txBody>
-      </p:sp>
-      <p:sp>
-        <p:nvSpPr>
-          <p:cNvPr id="3" name="Content Placeholder 2"/>
-          <p:cNvSpPr>
-            <a:spLocks noGrp="1"/>
-          </p:cNvSpPr>
-          <p:nvPr>
-            <p:ph idx="1"/>
-          </p:nvPr>
-        </p:nvSpPr>
-        <p:spPr/>
-        <p:txBody>
-          <a:bodyPr/>
-          <a:lstStyle/>
-          <a:p>
-            <a:pPr>
-              <a:defRPr>
-                <a:solidFill>
-                  <a:srgbClr val="000000"/>
-                </a:solidFill>
-              </a:defRPr>
-            </a:pPr>
-            <a:r>
-              <a:t>Slide Design &amp; Theme Consistency</a:t>
-            </a:r>
-          </a:p>
-        </p:txBody>
-      </p:sp>
-    </p:spTree>
-  </p:cSld>
-  <p:clrMapOvr>
-    <a:masterClrMapping/>
-  </p:clrMapOvr>
-</p:sld>
-</file>
-
-<file path=ppt/slides/slide35.xml><?xml version="1.0" encoding="utf-8"?>
-<p:sld xmlns:a="http://schemas.openxmlformats.org/drawingml/2006/main" xmlns:p="http://schemas.openxmlformats.org/presentationml/2006/main" xmlns:r="http://schemas.openxmlformats.org/officeDocument/2006/relationships">
-  <p:cSld>
-    <p:bg>
-      <p:bgPr>
-        <a:solidFill>
-          <a:srgbClr val="FF5733"/>
-        </a:solidFill>
-        <a:effectLst/>
-      </p:bgPr>
-    </p:bg>
-    <p:spTree>
-      <p:nvGrpSpPr>
-        <p:cNvPr id="1" name=""/>
-        <p:cNvGrpSpPr/>
-        <p:nvPr/>
-      </p:nvGrpSpPr>
-      <p:grpSpPr/>
-      <p:sp>
-        <p:nvSpPr>
-          <p:cNvPr id="2" name="Title 1"/>
-          <p:cNvSpPr>
-            <a:spLocks noGrp="1"/>
-          </p:cNvSpPr>
-          <p:nvPr>
-            <p:ph type="title"/>
-          </p:nvPr>
-        </p:nvSpPr>
-        <p:spPr/>
-        <p:txBody>
-          <a:bodyPr/>
-          <a:lstStyle/>
-          <a:p>
-            <a:pPr>
-              <a:defRPr>
-                <a:solidFill>
-                  <a:srgbClr val="000000"/>
-                </a:solidFill>
-              </a:defRPr>
-            </a:pPr>
-            <a:r>
-              <a:t>Slide Title</a:t>
-            </a:r>
-          </a:p>
-        </p:txBody>
-      </p:sp>
-      <p:sp>
-        <p:nvSpPr>
-          <p:cNvPr id="3" name="Content Placeholder 2"/>
-          <p:cNvSpPr>
-            <a:spLocks noGrp="1"/>
-          </p:cNvSpPr>
-          <p:nvPr>
-            <p:ph idx="1"/>
-          </p:nvPr>
-        </p:nvSpPr>
-        <p:spPr/>
-        <p:txBody>
-          <a:bodyPr/>
-          <a:lstStyle/>
-          <a:p>
-            <a:pPr>
-              <a:defRPr>
-                <a:solidFill>
-                  <a:srgbClr val="000000"/>
-                </a:solidFill>
-              </a:defRPr>
-            </a:pPr>
-            <a:r>
-              <a:t>Color Theme Enforcement</a:t>
-            </a:r>
-          </a:p>
-        </p:txBody>
-      </p:sp>
-    </p:spTree>
-  </p:cSld>
-  <p:clrMapOvr>
-    <a:masterClrMapping/>
-  </p:clrMapOvr>
-</p:sld>
-</file>
-
-<file path=ppt/slides/slide36.xml><?xml version="1.0" encoding="utf-8"?>
-<p:sld xmlns:a="http://schemas.openxmlformats.org/drawingml/2006/main" xmlns:p="http://schemas.openxmlformats.org/presentationml/2006/main" xmlns:r="http://schemas.openxmlformats.org/officeDocument/2006/relationships">
-  <p:cSld>
-    <p:bg>
-      <p:bgPr>
-        <a:solidFill>
-          <a:srgbClr val="FF5733"/>
-        </a:solidFill>
-        <a:effectLst/>
-      </p:bgPr>
-    </p:bg>
-    <p:spTree>
-      <p:nvGrpSpPr>
-        <p:cNvPr id="1" name=""/>
-        <p:cNvGrpSpPr/>
-        <p:nvPr/>
-      </p:nvGrpSpPr>
-      <p:grpSpPr/>
-      <p:sp>
-        <p:nvSpPr>
-          <p:cNvPr id="2" name="Title 1"/>
-          <p:cNvSpPr>
-            <a:spLocks noGrp="1"/>
-          </p:cNvSpPr>
-          <p:nvPr>
-            <p:ph type="title"/>
-          </p:nvPr>
-        </p:nvSpPr>
-        <p:spPr/>
-        <p:txBody>
-          <a:bodyPr/>
-          <a:lstStyle/>
-          <a:p>
-            <a:pPr>
-              <a:defRPr>
-                <a:solidFill>
-                  <a:srgbClr val="000000"/>
-                </a:solidFill>
-              </a:defRPr>
-            </a:pPr>
-            <a:r>
-              <a:t>Slide Title</a:t>
-            </a:r>
-          </a:p>
-        </p:txBody>
-      </p:sp>
-      <p:sp>
-        <p:nvSpPr>
-          <p:cNvPr id="3" name="Content Placeholder 2"/>
-          <p:cNvSpPr>
-            <a:spLocks noGrp="1"/>
-          </p:cNvSpPr>
-          <p:nvPr>
-            <p:ph idx="1"/>
-          </p:nvPr>
-        </p:nvSpPr>
-        <p:spPr/>
-        <p:txBody>
-          <a:bodyPr/>
-          <a:lstStyle/>
-          <a:p>
-            <a:pPr>
-              <a:defRPr>
-                <a:solidFill>
-                  <a:srgbClr val="000000"/>
-                </a:solidFill>
-              </a:defRPr>
-            </a:pPr>
-            <a:r>
-              <a:t>Provide or let the student design a style template (or use a standard PowerPoint theme).</a:t>
-            </a:r>
-          </a:p>
-        </p:txBody>
-      </p:sp>
-    </p:spTree>
-  </p:cSld>
-  <p:clrMapOvr>
-    <a:masterClrMapping/>
-  </p:clrMapOvr>
-</p:sld>
-</file>
-
-<file path=ppt/slides/slide37.xml><?xml version="1.0" encoding="utf-8"?>
-<p:sld xmlns:a="http://schemas.openxmlformats.org/drawingml/2006/main" xmlns:p="http://schemas.openxmlformats.org/presentationml/2006/main" xmlns:r="http://schemas.openxmlformats.org/officeDocument/2006/relationships">
-  <p:cSld>
-    <p:bg>
-      <p:bgPr>
-        <a:solidFill>
-          <a:srgbClr val="FF5733"/>
-        </a:solidFill>
-        <a:effectLst/>
-      </p:bgPr>
-    </p:bg>
-    <p:spTree>
-      <p:nvGrpSpPr>
-        <p:cNvPr id="1" name=""/>
-        <p:cNvGrpSpPr/>
-        <p:nvPr/>
-      </p:nvGrpSpPr>
-      <p:grpSpPr/>
-      <p:sp>
-        <p:nvSpPr>
-          <p:cNvPr id="2" name="Title 1"/>
-          <p:cNvSpPr>
-            <a:spLocks noGrp="1"/>
-          </p:cNvSpPr>
-          <p:nvPr>
-            <p:ph type="title"/>
-          </p:nvPr>
-        </p:nvSpPr>
-        <p:spPr/>
-        <p:txBody>
-          <a:bodyPr/>
-          <a:lstStyle/>
-          <a:p>
-            <a:pPr>
-              <a:defRPr>
-                <a:solidFill>
-                  <a:srgbClr val="000000"/>
-                </a:solidFill>
-              </a:defRPr>
-            </a:pPr>
-            <a:r>
-              <a:t>Slide Title</a:t>
-            </a:r>
-          </a:p>
-        </p:txBody>
-      </p:sp>
-      <p:sp>
-        <p:nvSpPr>
-          <p:cNvPr id="3" name="Content Placeholder 2"/>
-          <p:cNvSpPr>
-            <a:spLocks noGrp="1"/>
-          </p:cNvSpPr>
-          <p:nvPr>
-            <p:ph idx="1"/>
-          </p:nvPr>
-        </p:nvSpPr>
-        <p:spPr/>
-        <p:txBody>
-          <a:bodyPr/>
-          <a:lstStyle/>
-          <a:p>
-            <a:pPr>
-              <a:defRPr>
-                <a:solidFill>
-                  <a:srgbClr val="000000"/>
-                </a:solidFill>
-              </a:defRPr>
-            </a:pPr>
-            <a:r>
-              <a:t>Ensure all slides adopt the same primary color palette, consistent fonts, and layout guidelines.</a:t>
-            </a:r>
-          </a:p>
-        </p:txBody>
-      </p:sp>
-    </p:spTree>
-  </p:cSld>
-  <p:clrMapOvr>
-    <a:masterClrMapping/>
-  </p:clrMapOvr>
-</p:sld>
-</file>
-
-<file path=ppt/slides/slide38.xml><?xml version="1.0" encoding="utf-8"?>
-<p:sld xmlns:a="http://schemas.openxmlformats.org/drawingml/2006/main" xmlns:p="http://schemas.openxmlformats.org/presentationml/2006/main" xmlns:r="http://schemas.openxmlformats.org/officeDocument/2006/relationships">
-  <p:cSld>
-    <p:bg>
-      <p:bgPr>
-        <a:solidFill>
-          <a:srgbClr val="FF5733"/>
-        </a:solidFill>
-        <a:effectLst/>
-      </p:bgPr>
-    </p:bg>
-    <p:spTree>
-      <p:nvGrpSpPr>
-        <p:cNvPr id="1" name=""/>
-        <p:cNvGrpSpPr/>
-        <p:nvPr/>
-      </p:nvGrpSpPr>
-      <p:grpSpPr/>
-      <p:sp>
-        <p:nvSpPr>
-          <p:cNvPr id="2" name="Title 1"/>
-          <p:cNvSpPr>
-            <a:spLocks noGrp="1"/>
-          </p:cNvSpPr>
-          <p:nvPr>
-            <p:ph type="title"/>
-          </p:nvPr>
-        </p:nvSpPr>
-        <p:spPr/>
-        <p:txBody>
-          <a:bodyPr/>
-          <a:lstStyle/>
-          <a:p>
-            <a:pPr>
-              <a:defRPr>
-                <a:solidFill>
-                  <a:srgbClr val="000000"/>
-                </a:solidFill>
-              </a:defRPr>
-            </a:pPr>
-            <a:r>
-              <a:t>Slide Title</a:t>
-            </a:r>
-          </a:p>
-        </p:txBody>
-      </p:sp>
-      <p:sp>
-        <p:nvSpPr>
-          <p:cNvPr id="3" name="Content Placeholder 2"/>
-          <p:cNvSpPr>
-            <a:spLocks noGrp="1"/>
-          </p:cNvSpPr>
-          <p:nvPr>
-            <p:ph idx="1"/>
-          </p:nvPr>
-        </p:nvSpPr>
-        <p:spPr/>
-        <p:txBody>
-          <a:bodyPr/>
-          <a:lstStyle/>
-          <a:p>
-            <a:pPr>
-              <a:defRPr>
-                <a:solidFill>
-                  <a:srgbClr val="000000"/>
-                </a:solidFill>
-              </a:defRPr>
-            </a:pPr>
-            <a:r>
-              <a:t>Layout Selection</a:t>
-            </a:r>
-          </a:p>
-        </p:txBody>
-      </p:sp>
-    </p:spTree>
-  </p:cSld>
-  <p:clrMapOvr>
-    <a:masterClrMapping/>
-  </p:clrMapOvr>
-</p:sld>
-</file>
-
-<file path=ppt/slides/slide39.xml><?xml version="1.0" encoding="utf-8"?>
-<p:sld xmlns:a="http://schemas.openxmlformats.org/drawingml/2006/main" xmlns:p="http://schemas.openxmlformats.org/presentationml/2006/main" xmlns:r="http://schemas.openxmlformats.org/officeDocument/2006/relationships">
-  <p:cSld>
-    <p:bg>
-      <p:bgPr>
-        <a:solidFill>
-          <a:srgbClr val="FF5733"/>
-        </a:solidFill>
-        <a:effectLst/>
-      </p:bgPr>
-    </p:bg>
-    <p:spTree>
-      <p:nvGrpSpPr>
-        <p:cNvPr id="1" name=""/>
-        <p:cNvGrpSpPr/>
-        <p:nvPr/>
-      </p:nvGrpSpPr>
-      <p:grpSpPr/>
-      <p:sp>
-        <p:nvSpPr>
-          <p:cNvPr id="2" name="Title 1"/>
-          <p:cNvSpPr>
-            <a:spLocks noGrp="1"/>
-          </p:cNvSpPr>
-          <p:nvPr>
-            <p:ph type="title"/>
-          </p:nvPr>
-        </p:nvSpPr>
-        <p:spPr/>
-        <p:txBody>
-          <a:bodyPr/>
-          <a:lstStyle/>
-          <a:p>
-            <a:pPr>
-              <a:defRPr>
-                <a:solidFill>
-                  <a:srgbClr val="000000"/>
-                </a:solidFill>
-              </a:defRPr>
-            </a:pPr>
-            <a:r>
-              <a:t>Slide Title</a:t>
-            </a:r>
-          </a:p>
-        </p:txBody>
-      </p:sp>
-      <p:sp>
-        <p:nvSpPr>
-          <p:cNvPr id="3" name="Content Placeholder 2"/>
-          <p:cNvSpPr>
-            <a:spLocks noGrp="1"/>
-          </p:cNvSpPr>
-          <p:nvPr>
-            <p:ph idx="1"/>
-          </p:nvPr>
-        </p:nvSpPr>
-        <p:spPr/>
-        <p:txBody>
-          <a:bodyPr/>
-          <a:lstStyle/>
-          <a:p>
-            <a:pPr>
-              <a:defRPr>
-                <a:solidFill>
-                  <a:srgbClr val="000000"/>
-                </a:solidFill>
-              </a:defRPr>
-            </a:pPr>
-            <a:r>
-              <a:t>Use heuristics or simple ML-based rules (e.g., if a slide has more text, choose a two-column layout or bullet-list layout. If it has a figure, place the figure on the right and bullet points on the left).</a:t>
-            </a:r>
           </a:p>
         </p:txBody>
       </p:sp>
@@ -5920,7 +3457,7 @@
               </a:defRPr>
             </a:pPr>
             <a:r>
-              <a:t>Slide Title</a:t>
+              <a:t>Implement Figure Extraction</a:t>
             </a:r>
           </a:p>
         </p:txBody>
@@ -5947,51 +3484,29 @@
                 </a:solidFill>
               </a:defRPr>
             </a:pPr>
-            <a:r>
-              <a:t>Parse and extract text content from the document to create initial text-based slides.</a:t>
-            </a:r>
-          </a:p>
-        </p:txBody>
-      </p:sp>
-    </p:spTree>
-  </p:cSld>
-  <p:clrMapOvr>
-    <a:masterClrMapping/>
-  </p:clrMapOvr>
-</p:sld>
-</file>
-
-<file path=ppt/slides/slide40.xml><?xml version="1.0" encoding="utf-8"?>
-<p:sld xmlns:a="http://schemas.openxmlformats.org/drawingml/2006/main" xmlns:p="http://schemas.openxmlformats.org/presentationml/2006/main" xmlns:r="http://schemas.openxmlformats.org/officeDocument/2006/relationships">
-  <p:cSld>
-    <p:bg>
-      <p:bgPr>
-        <a:solidFill>
-          <a:srgbClr val="FF5733"/>
-        </a:solidFill>
-        <a:effectLst/>
-      </p:bgPr>
-    </p:bg>
-    <p:spTree>
-      <p:nvGrpSpPr>
-        <p:cNvPr id="1" name=""/>
-        <p:cNvGrpSpPr/>
-        <p:nvPr/>
-      </p:nvGrpSpPr>
-      <p:grpSpPr/>
-      <p:sp>
-        <p:nvSpPr>
-          <p:cNvPr id="2" name="Title 1"/>
-          <p:cNvSpPr>
-            <a:spLocks noGrp="1"/>
-          </p:cNvSpPr>
-          <p:nvPr>
-            <p:ph type="title"/>
-          </p:nvPr>
-        </p:nvSpPr>
-        <p:spPr/>
-        <p:txBody>
-          <a:bodyPr/>
+          </a:p>
+        </p:txBody>
+      </p:sp>
+      <p:sp>
+        <p:nvSpPr>
+          <p:cNvPr id="4" name="TextBox 3"/>
+          <p:cNvSpPr txBox="1"/>
+          <p:nvPr/>
+        </p:nvSpPr>
+        <p:spPr>
+          <a:xfrm>
+            <a:off x="914400" y="1828800"/>
+            <a:ext cx="7315200" cy="3657600"/>
+          </a:xfrm>
+          <a:prstGeom prst="rect">
+            <a:avLst/>
+          </a:prstGeom>
+          <a:noFill/>
+        </p:spPr>
+        <p:txBody>
+          <a:bodyPr wrap="square">
+            <a:spAutoFit/>
+          </a:bodyPr>
           <a:lstStyle/>
           <a:p>
             <a:pPr>
@@ -6001,201 +3516,6 @@
                 </a:solidFill>
               </a:defRPr>
             </a:pPr>
-            <a:r>
-              <a:t>Slide Title</a:t>
-            </a:r>
-          </a:p>
-        </p:txBody>
-      </p:sp>
-      <p:sp>
-        <p:nvSpPr>
-          <p:cNvPr id="3" name="Content Placeholder 2"/>
-          <p:cNvSpPr>
-            <a:spLocks noGrp="1"/>
-          </p:cNvSpPr>
-          <p:nvPr>
-            <p:ph idx="1"/>
-          </p:nvPr>
-        </p:nvSpPr>
-        <p:spPr/>
-        <p:txBody>
-          <a:bodyPr/>
-          <a:lstStyle/>
-          <a:p>
-            <a:pPr>
-              <a:defRPr>
-                <a:solidFill>
-                  <a:srgbClr val="000000"/>
-                </a:solidFill>
-              </a:defRPr>
-            </a:pPr>
-            <a:r>
-              <a:t>Styling &amp; Formatting</a:t>
-            </a:r>
-          </a:p>
-        </p:txBody>
-      </p:sp>
-    </p:spTree>
-  </p:cSld>
-  <p:clrMapOvr>
-    <a:masterClrMapping/>
-  </p:clrMapOvr>
-</p:sld>
-</file>
-
-<file path=ppt/slides/slide41.xml><?xml version="1.0" encoding="utf-8"?>
-<p:sld xmlns:a="http://schemas.openxmlformats.org/drawingml/2006/main" xmlns:p="http://schemas.openxmlformats.org/presentationml/2006/main" xmlns:r="http://schemas.openxmlformats.org/officeDocument/2006/relationships">
-  <p:cSld>
-    <p:bg>
-      <p:bgPr>
-        <a:solidFill>
-          <a:srgbClr val="FF5733"/>
-        </a:solidFill>
-        <a:effectLst/>
-      </p:bgPr>
-    </p:bg>
-    <p:spTree>
-      <p:nvGrpSpPr>
-        <p:cNvPr id="1" name=""/>
-        <p:cNvGrpSpPr/>
-        <p:nvPr/>
-      </p:nvGrpSpPr>
-      <p:grpSpPr/>
-      <p:sp>
-        <p:nvSpPr>
-          <p:cNvPr id="2" name="Title 1"/>
-          <p:cNvSpPr>
-            <a:spLocks noGrp="1"/>
-          </p:cNvSpPr>
-          <p:nvPr>
-            <p:ph type="title"/>
-          </p:nvPr>
-        </p:nvSpPr>
-        <p:spPr/>
-        <p:txBody>
-          <a:bodyPr/>
-          <a:lstStyle/>
-          <a:p>
-            <a:pPr>
-              <a:defRPr>
-                <a:solidFill>
-                  <a:srgbClr val="000000"/>
-                </a:solidFill>
-              </a:defRPr>
-            </a:pPr>
-            <a:r>
-              <a:t>Slide Title</a:t>
-            </a:r>
-          </a:p>
-        </p:txBody>
-      </p:sp>
-      <p:sp>
-        <p:nvSpPr>
-          <p:cNvPr id="3" name="Content Placeholder 2"/>
-          <p:cNvSpPr>
-            <a:spLocks noGrp="1"/>
-          </p:cNvSpPr>
-          <p:nvPr>
-            <p:ph idx="1"/>
-          </p:nvPr>
-        </p:nvSpPr>
-        <p:spPr/>
-        <p:txBody>
-          <a:bodyPr/>
-          <a:lstStyle/>
-          <a:p>
-            <a:pPr>
-              <a:defRPr>
-                <a:solidFill>
-                  <a:srgbClr val="000000"/>
-                </a:solidFill>
-              </a:defRPr>
-            </a:pPr>
-            <a:r>
-              <a:t>Incorporate the course branding or institutional design guidelines if available.</a:t>
-            </a:r>
-          </a:p>
-        </p:txBody>
-      </p:sp>
-    </p:spTree>
-  </p:cSld>
-  <p:clrMapOvr>
-    <a:masterClrMapping/>
-  </p:clrMapOvr>
-</p:sld>
-</file>
-
-<file path=ppt/slides/slide42.xml><?xml version="1.0" encoding="utf-8"?>
-<p:sld xmlns:a="http://schemas.openxmlformats.org/drawingml/2006/main" xmlns:p="http://schemas.openxmlformats.org/presentationml/2006/main" xmlns:r="http://schemas.openxmlformats.org/officeDocument/2006/relationships">
-  <p:cSld>
-    <p:bg>
-      <p:bgPr>
-        <a:solidFill>
-          <a:srgbClr val="FF5733"/>
-        </a:solidFill>
-        <a:effectLst/>
-      </p:bgPr>
-    </p:bg>
-    <p:spTree>
-      <p:nvGrpSpPr>
-        <p:cNvPr id="1" name=""/>
-        <p:cNvGrpSpPr/>
-        <p:nvPr/>
-      </p:nvGrpSpPr>
-      <p:grpSpPr/>
-      <p:sp>
-        <p:nvSpPr>
-          <p:cNvPr id="2" name="Title 1"/>
-          <p:cNvSpPr>
-            <a:spLocks noGrp="1"/>
-          </p:cNvSpPr>
-          <p:nvPr>
-            <p:ph type="title"/>
-          </p:nvPr>
-        </p:nvSpPr>
-        <p:spPr/>
-        <p:txBody>
-          <a:bodyPr/>
-          <a:lstStyle/>
-          <a:p>
-            <a:pPr>
-              <a:defRPr>
-                <a:solidFill>
-                  <a:srgbClr val="000000"/>
-                </a:solidFill>
-              </a:defRPr>
-            </a:pPr>
-            <a:r>
-              <a:t>Slide Title</a:t>
-            </a:r>
-          </a:p>
-        </p:txBody>
-      </p:sp>
-      <p:sp>
-        <p:nvSpPr>
-          <p:cNvPr id="3" name="Content Placeholder 2"/>
-          <p:cNvSpPr>
-            <a:spLocks noGrp="1"/>
-          </p:cNvSpPr>
-          <p:nvPr>
-            <p:ph idx="1"/>
-          </p:nvPr>
-        </p:nvSpPr>
-        <p:spPr/>
-        <p:txBody>
-          <a:bodyPr/>
-          <a:lstStyle/>
-          <a:p>
-            <a:pPr>
-              <a:defRPr>
-                <a:solidFill>
-                  <a:srgbClr val="000000"/>
-                </a:solidFill>
-              </a:defRPr>
-            </a:pPr>
-            <a:r>
-              <a:t>Maintain consistency in font sizes for headers, subheaders, bullet points, and footers.</a:t>
-            </a:r>
           </a:p>
         </p:txBody>
       </p:sp>
@@ -6248,7 +3568,7 @@
               </a:defRPr>
             </a:pPr>
             <a:r>
-              <a:t>Slide Title</a:t>
+              <a:t>Generate New Figures</a:t>
             </a:r>
           </a:p>
         </p:txBody>
@@ -6275,9 +3595,38 @@
                 </a:solidFill>
               </a:defRPr>
             </a:pPr>
-            <a:r>
-              <a:t>Identify and extract relevant figures (images, charts) from the document.</a:t>
-            </a:r>
+          </a:p>
+        </p:txBody>
+      </p:sp>
+      <p:sp>
+        <p:nvSpPr>
+          <p:cNvPr id="4" name="TextBox 3"/>
+          <p:cNvSpPr txBox="1"/>
+          <p:nvPr/>
+        </p:nvSpPr>
+        <p:spPr>
+          <a:xfrm>
+            <a:off x="914400" y="1828800"/>
+            <a:ext cx="7315200" cy="3657600"/>
+          </a:xfrm>
+          <a:prstGeom prst="rect">
+            <a:avLst/>
+          </a:prstGeom>
+          <a:noFill/>
+        </p:spPr>
+        <p:txBody>
+          <a:bodyPr wrap="square">
+            <a:spAutoFit/>
+          </a:bodyPr>
+          <a:lstStyle/>
+          <a:p>
+            <a:pPr>
+              <a:defRPr>
+                <a:solidFill>
+                  <a:srgbClr val="000000"/>
+                </a:solidFill>
+              </a:defRPr>
+            </a:pPr>
           </a:p>
         </p:txBody>
       </p:sp>
@@ -6330,7 +3679,7 @@
               </a:defRPr>
             </a:pPr>
             <a:r>
-              <a:t>Slide Title</a:t>
+              <a:t>Ensure Design Consistency</a:t>
             </a:r>
           </a:p>
         </p:txBody>
@@ -6357,51 +3706,29 @@
                 </a:solidFill>
               </a:defRPr>
             </a:pPr>
-            <a:r>
-              <a:t>Determine which slides should contain the extracted figures or if they merit a slide of their own.</a:t>
-            </a:r>
-          </a:p>
-        </p:txBody>
-      </p:sp>
-    </p:spTree>
-  </p:cSld>
-  <p:clrMapOvr>
-    <a:masterClrMapping/>
-  </p:clrMapOvr>
-</p:sld>
-</file>
-
-<file path=ppt/slides/slide7.xml><?xml version="1.0" encoding="utf-8"?>
-<p:sld xmlns:a="http://schemas.openxmlformats.org/drawingml/2006/main" xmlns:p="http://schemas.openxmlformats.org/presentationml/2006/main" xmlns:r="http://schemas.openxmlformats.org/officeDocument/2006/relationships">
-  <p:cSld>
-    <p:bg>
-      <p:bgPr>
-        <a:solidFill>
-          <a:srgbClr val="FF5733"/>
-        </a:solidFill>
-        <a:effectLst/>
-      </p:bgPr>
-    </p:bg>
-    <p:spTree>
-      <p:nvGrpSpPr>
-        <p:cNvPr id="1" name=""/>
-        <p:cNvGrpSpPr/>
-        <p:nvPr/>
-      </p:nvGrpSpPr>
-      <p:grpSpPr/>
-      <p:sp>
-        <p:nvSpPr>
-          <p:cNvPr id="2" name="Title 1"/>
-          <p:cNvSpPr>
-            <a:spLocks noGrp="1"/>
-          </p:cNvSpPr>
-          <p:nvPr>
-            <p:ph type="title"/>
-          </p:nvPr>
-        </p:nvSpPr>
-        <p:spPr/>
-        <p:txBody>
-          <a:bodyPr/>
+          </a:p>
+        </p:txBody>
+      </p:sp>
+      <p:sp>
+        <p:nvSpPr>
+          <p:cNvPr id="4" name="TextBox 3"/>
+          <p:cNvSpPr txBox="1"/>
+          <p:nvPr/>
+        </p:nvSpPr>
+        <p:spPr>
+          <a:xfrm>
+            <a:off x="914400" y="1828800"/>
+            <a:ext cx="7315200" cy="3657600"/>
+          </a:xfrm>
+          <a:prstGeom prst="rect">
+            <a:avLst/>
+          </a:prstGeom>
+          <a:noFill/>
+        </p:spPr>
+        <p:txBody>
+          <a:bodyPr wrap="square">
+            <a:spAutoFit/>
+          </a:bodyPr>
           <a:lstStyle/>
           <a:p>
             <a:pPr>
@@ -6411,26 +3738,7 @@
                 </a:solidFill>
               </a:defRPr>
             </a:pPr>
-            <a:r>
-              <a:t>Slide Title</a:t>
-            </a:r>
-          </a:p>
-        </p:txBody>
-      </p:sp>
-      <p:sp>
-        <p:nvSpPr>
-          <p:cNvPr id="3" name="Content Placeholder 2"/>
-          <p:cNvSpPr>
-            <a:spLocks noGrp="1"/>
-          </p:cNvSpPr>
-          <p:nvPr>
-            <p:ph idx="1"/>
-          </p:nvPr>
-        </p:nvSpPr>
-        <p:spPr/>
-        <p:txBody>
-          <a:bodyPr/>
-          <a:lstStyle/>
+          </a:p>
           <a:p>
             <a:pPr>
               <a:defRPr>
@@ -6440,51 +3748,9 @@
               </a:defRPr>
             </a:pPr>
             <a:r>
-              <a:t>Use generative AI techniques to create new figures (infographics, flowcharts, etc.) for text content that could be better explained visually.</a:t>
-            </a:r>
-          </a:p>
-        </p:txBody>
-      </p:sp>
-    </p:spTree>
-  </p:cSld>
-  <p:clrMapOvr>
-    <a:masterClrMapping/>
-  </p:clrMapOvr>
-</p:sld>
-</file>
-
-<file path=ppt/slides/slide8.xml><?xml version="1.0" encoding="utf-8"?>
-<p:sld xmlns:a="http://schemas.openxmlformats.org/drawingml/2006/main" xmlns:p="http://schemas.openxmlformats.org/presentationml/2006/main" xmlns:r="http://schemas.openxmlformats.org/officeDocument/2006/relationships">
-  <p:cSld>
-    <p:bg>
-      <p:bgPr>
-        <a:solidFill>
-          <a:srgbClr val="FF5733"/>
-        </a:solidFill>
-        <a:effectLst/>
-      </p:bgPr>
-    </p:bg>
-    <p:spTree>
-      <p:nvGrpSpPr>
-        <p:cNvPr id="1" name=""/>
-        <p:cNvGrpSpPr/>
-        <p:nvPr/>
-      </p:nvGrpSpPr>
-      <p:grpSpPr/>
-      <p:sp>
-        <p:nvSpPr>
-          <p:cNvPr id="2" name="Title 1"/>
-          <p:cNvSpPr>
-            <a:spLocks noGrp="1"/>
-          </p:cNvSpPr>
-          <p:nvPr>
-            <p:ph type="title"/>
-          </p:nvPr>
-        </p:nvSpPr>
-        <p:spPr/>
-        <p:txBody>
-          <a:bodyPr/>
-          <a:lstStyle/>
+              <a:t>Enforce Color Theme</a:t>
+            </a:r>
+          </a:p>
           <a:p>
             <a:pPr>
               <a:defRPr>
@@ -6494,25 +3760,9 @@
               </a:defRPr>
             </a:pPr>
             <a:r>
-              <a:t>Slide Title</a:t>
-            </a:r>
-          </a:p>
-        </p:txBody>
-      </p:sp>
-      <p:sp>
-        <p:nvSpPr>
-          <p:cNvPr id="3" name="Content Placeholder 2"/>
-          <p:cNvSpPr>
-            <a:spLocks noGrp="1"/>
-          </p:cNvSpPr>
-          <p:nvPr>
-            <p:ph idx="1"/>
-          </p:nvPr>
-        </p:nvSpPr>
-        <p:spPr/>
-        <p:txBody>
-          <a:bodyPr/>
-          <a:lstStyle/>
+              <a:t>Choose layout based on content</a:t>
+            </a:r>
+          </a:p>
           <a:p>
             <a:pPr>
               <a:defRPr>
@@ -6522,51 +3772,9 @@
               </a:defRPr>
             </a:pPr>
             <a:r>
-              <a:t>Apply a coherent design or color theme across all generated slides to ensure consistency.</a:t>
-            </a:r>
-          </a:p>
-        </p:txBody>
-      </p:sp>
-    </p:spTree>
-  </p:cSld>
-  <p:clrMapOvr>
-    <a:masterClrMapping/>
-  </p:clrMapOvr>
-</p:sld>
-</file>
-
-<file path=ppt/slides/slide9.xml><?xml version="1.0" encoding="utf-8"?>
-<p:sld xmlns:a="http://schemas.openxmlformats.org/drawingml/2006/main" xmlns:p="http://schemas.openxmlformats.org/presentationml/2006/main" xmlns:r="http://schemas.openxmlformats.org/officeDocument/2006/relationships">
-  <p:cSld>
-    <p:bg>
-      <p:bgPr>
-        <a:solidFill>
-          <a:srgbClr val="FF5733"/>
-        </a:solidFill>
-        <a:effectLst/>
-      </p:bgPr>
-    </p:bg>
-    <p:spTree>
-      <p:nvGrpSpPr>
-        <p:cNvPr id="1" name=""/>
-        <p:cNvGrpSpPr/>
-        <p:nvPr/>
-      </p:nvGrpSpPr>
-      <p:grpSpPr/>
-      <p:sp>
-        <p:nvSpPr>
-          <p:cNvPr id="2" name="Title 1"/>
-          <p:cNvSpPr>
-            <a:spLocks noGrp="1"/>
-          </p:cNvSpPr>
-          <p:nvPr>
-            <p:ph type="title"/>
-          </p:nvPr>
-        </p:nvSpPr>
-        <p:spPr/>
-        <p:txBody>
-          <a:bodyPr/>
-          <a:lstStyle/>
+              <a:t>Maintain styling &amp; formatting guidelines</a:t>
+            </a:r>
+          </a:p>
           <a:p>
             <a:pPr>
               <a:defRPr>
@@ -6576,35 +3784,7 @@
               </a:defRPr>
             </a:pPr>
             <a:r>
-              <a:t>Slide Title</a:t>
-            </a:r>
-          </a:p>
-        </p:txBody>
-      </p:sp>
-      <p:sp>
-        <p:nvSpPr>
-          <p:cNvPr id="3" name="Content Placeholder 2"/>
-          <p:cNvSpPr>
-            <a:spLocks noGrp="1"/>
-          </p:cNvSpPr>
-          <p:nvPr>
-            <p:ph idx="1"/>
-          </p:nvPr>
-        </p:nvSpPr>
-        <p:spPr/>
-        <p:txBody>
-          <a:bodyPr/>
-          <a:lstStyle/>
-          <a:p>
-            <a:pPr>
-              <a:defRPr>
-                <a:solidFill>
-                  <a:srgbClr val="000000"/>
-                </a:solidFill>
-              </a:defRPr>
-            </a:pPr>
-            <a:r>
-              <a:t>Learning Objectives</a:t>
+              <a:t>Incorporate branding and design standards</a:t>
             </a:r>
           </a:p>
         </p:txBody>

--- a/server/uploads/SmartSlideGen.pptx
+++ b/server/uploads/SmartSlideGen.pptx
@@ -10,7 +10,6 @@
     <p:sldId id="258" r:id="rId9"/>
     <p:sldId id="259" r:id="rId10"/>
     <p:sldId id="260" r:id="rId11"/>
-    <p:sldId id="261" r:id="rId12"/>
   </p:sldIdLst>
   <p:sldSz cx="9144000" cy="6858000" type="screen4x3"/>
   <p:notesSz cx="6858000" cy="9144000"/>
@@ -3124,7 +3123,7 @@
               </a:defRPr>
             </a:pPr>
             <a:r>
-              <a:t>Develop AI-Driven Pipeline</a:t>
+              <a:t>AI-driven Pipeline for Word to PowerPoint Conversion</a:t>
             </a:r>
           </a:p>
         </p:txBody>
@@ -3183,6 +3182,42 @@
                 </a:solidFill>
               </a:defRPr>
             </a:pPr>
+          </a:p>
+          <a:p>
+            <a:pPr>
+              <a:defRPr>
+                <a:solidFill>
+                  <a:srgbClr val="000000"/>
+                </a:solidFill>
+              </a:defRPr>
+            </a:pPr>
+            <a:r>
+              <a:t>Develop AI-driven pipeline for conversion</a:t>
+            </a:r>
+          </a:p>
+          <a:p>
+            <a:pPr>
+              <a:defRPr>
+                <a:solidFill>
+                  <a:srgbClr val="000000"/>
+                </a:solidFill>
+              </a:defRPr>
+            </a:pPr>
+            <a:r>
+              <a:t>Parse and extract text content for initial slides</a:t>
+            </a:r>
+          </a:p>
+          <a:p>
+            <a:pPr>
+              <a:defRPr>
+                <a:solidFill>
+                  <a:srgbClr val="000000"/>
+                </a:solidFill>
+              </a:defRPr>
+            </a:pPr>
+            <a:r>
+              <a:t>Identify and extract relevant figures</a:t>
+            </a:r>
           </a:p>
         </p:txBody>
       </p:sp>
@@ -3235,7 +3270,7 @@
               </a:defRPr>
             </a:pPr>
             <a:r>
-              <a:t>Learn Key Objectives</a:t>
+              <a:t>Generative AI Techniques for Visual Explanation</a:t>
             </a:r>
           </a:p>
         </p:txBody>
@@ -3294,6 +3329,42 @@
                 </a:solidFill>
               </a:defRPr>
             </a:pPr>
+          </a:p>
+          <a:p>
+            <a:pPr>
+              <a:defRPr>
+                <a:solidFill>
+                  <a:srgbClr val="000000"/>
+                </a:solidFill>
+              </a:defRPr>
+            </a:pPr>
+            <a:r>
+              <a:t>Use generative AI for better visual explanation</a:t>
+            </a:r>
+          </a:p>
+          <a:p>
+            <a:pPr>
+              <a:defRPr>
+                <a:solidFill>
+                  <a:srgbClr val="000000"/>
+                </a:solidFill>
+              </a:defRPr>
+            </a:pPr>
+            <a:r>
+              <a:t>Create new figures for text content</a:t>
+            </a:r>
+          </a:p>
+          <a:p>
+            <a:pPr>
+              <a:defRPr>
+                <a:solidFill>
+                  <a:srgbClr val="000000"/>
+                </a:solidFill>
+              </a:defRPr>
+            </a:pPr>
+            <a:r>
+              <a:t>Utilize generative AI for text-to-image generation</a:t>
+            </a:r>
           </a:p>
         </p:txBody>
       </p:sp>
@@ -3346,7 +3417,7 @@
               </a:defRPr>
             </a:pPr>
             <a:r>
-              <a:t>Execute Project Components</a:t>
+              <a:t>Consistent Design and Color Theme</a:t>
             </a:r>
           </a:p>
         </p:txBody>
@@ -3405,6 +3476,42 @@
                 </a:solidFill>
               </a:defRPr>
             </a:pPr>
+          </a:p>
+          <a:p>
+            <a:pPr>
+              <a:defRPr>
+                <a:solidFill>
+                  <a:srgbClr val="000000"/>
+                </a:solidFill>
+              </a:defRPr>
+            </a:pPr>
+            <a:r>
+              <a:t>Apply coherent design and color theme</a:t>
+            </a:r>
+          </a:p>
+          <a:p>
+            <a:pPr>
+              <a:defRPr>
+                <a:solidFill>
+                  <a:srgbClr val="000000"/>
+                </a:solidFill>
+              </a:defRPr>
+            </a:pPr>
+            <a:r>
+              <a:t>Enforce color theme consistency</a:t>
+            </a:r>
+          </a:p>
+          <a:p>
+            <a:pPr>
+              <a:defRPr>
+                <a:solidFill>
+                  <a:srgbClr val="000000"/>
+                </a:solidFill>
+              </a:defRPr>
+            </a:pPr>
+            <a:r>
+              <a:t>Maintain consistency in font sizes</a:t>
+            </a:r>
           </a:p>
         </p:txBody>
       </p:sp>
@@ -3457,7 +3564,7 @@
               </a:defRPr>
             </a:pPr>
             <a:r>
-              <a:t>Implement Figure Extraction</a:t>
+              <a:t>Integration of AI and Software Components</a:t>
             </a:r>
           </a:p>
         </p:txBody>
@@ -3516,6 +3623,42 @@
                 </a:solidFill>
               </a:defRPr>
             </a:pPr>
+          </a:p>
+          <a:p>
+            <a:pPr>
+              <a:defRPr>
+                <a:solidFill>
+                  <a:srgbClr val="000000"/>
+                </a:solidFill>
+              </a:defRPr>
+            </a:pPr>
+            <a:r>
+              <a:t>Integrate multiple AI components for presentations</a:t>
+            </a:r>
+          </a:p>
+          <a:p>
+            <a:pPr>
+              <a:defRPr>
+                <a:solidFill>
+                  <a:srgbClr val="000000"/>
+                </a:solidFill>
+              </a:defRPr>
+            </a:pPr>
+            <a:r>
+              <a:t>Project components: text extraction, figure extraction</a:t>
+            </a:r>
+          </a:p>
+          <a:p>
+            <a:pPr>
+              <a:defRPr>
+                <a:solidFill>
+                  <a:srgbClr val="000000"/>
+                </a:solidFill>
+              </a:defRPr>
+            </a:pPr>
+            <a:r>
+              <a:t>Automate insertion of newly generated figures</a:t>
+            </a:r>
           </a:p>
         </p:txBody>
       </p:sp>
@@ -3568,7 +3711,7 @@
               </a:defRPr>
             </a:pPr>
             <a:r>
-              <a:t>Generate New Figures</a:t>
+              <a:t>Slide Layout and Design Guidelines</a:t>
             </a:r>
           </a:p>
         </p:txBody>
@@ -3628,48 +3771,6 @@
               </a:defRPr>
             </a:pPr>
           </a:p>
-        </p:txBody>
-      </p:sp>
-    </p:spTree>
-  </p:cSld>
-  <p:clrMapOvr>
-    <a:masterClrMapping/>
-  </p:clrMapOvr>
-</p:sld>
-</file>
-
-<file path=ppt/slides/slide6.xml><?xml version="1.0" encoding="utf-8"?>
-<p:sld xmlns:a="http://schemas.openxmlformats.org/drawingml/2006/main" xmlns:p="http://schemas.openxmlformats.org/presentationml/2006/main" xmlns:r="http://schemas.openxmlformats.org/officeDocument/2006/relationships">
-  <p:cSld>
-    <p:bg>
-      <p:bgPr>
-        <a:solidFill>
-          <a:srgbClr val="FF5733"/>
-        </a:solidFill>
-        <a:effectLst/>
-      </p:bgPr>
-    </p:bg>
-    <p:spTree>
-      <p:nvGrpSpPr>
-        <p:cNvPr id="1" name=""/>
-        <p:cNvGrpSpPr/>
-        <p:nvPr/>
-      </p:nvGrpSpPr>
-      <p:grpSpPr/>
-      <p:sp>
-        <p:nvSpPr>
-          <p:cNvPr id="2" name="Title 1"/>
-          <p:cNvSpPr>
-            <a:spLocks noGrp="1"/>
-          </p:cNvSpPr>
-          <p:nvPr>
-            <p:ph type="title"/>
-          </p:nvPr>
-        </p:nvSpPr>
-        <p:spPr/>
-        <p:txBody>
-          <a:bodyPr/>
-          <a:lstStyle/>
           <a:p>
             <a:pPr>
               <a:defRPr>
@@ -3679,25 +3780,9 @@
               </a:defRPr>
             </a:pPr>
             <a:r>
-              <a:t>Ensure Design Consistency</a:t>
-            </a:r>
-          </a:p>
-        </p:txBody>
-      </p:sp>
-      <p:sp>
-        <p:nvSpPr>
-          <p:cNvPr id="3" name="Content Placeholder 2"/>
-          <p:cNvSpPr>
-            <a:spLocks noGrp="1"/>
-          </p:cNvSpPr>
-          <p:nvPr>
-            <p:ph idx="1"/>
-          </p:nvPr>
-        </p:nvSpPr>
-        <p:spPr/>
-        <p:txBody>
-          <a:bodyPr/>
-          <a:lstStyle/>
+              <a:t>Understand slide layout and design principles</a:t>
+            </a:r>
+          </a:p>
           <a:p>
             <a:pPr>
               <a:defRPr>
@@ -3706,30 +3791,10 @@
                 </a:solidFill>
               </a:defRPr>
             </a:pPr>
-          </a:p>
-        </p:txBody>
-      </p:sp>
-      <p:sp>
-        <p:nvSpPr>
-          <p:cNvPr id="4" name="TextBox 3"/>
-          <p:cNvSpPr txBox="1"/>
-          <p:nvPr/>
-        </p:nvSpPr>
-        <p:spPr>
-          <a:xfrm>
-            <a:off x="914400" y="1828800"/>
-            <a:ext cx="7315200" cy="3657600"/>
-          </a:xfrm>
-          <a:prstGeom prst="rect">
-            <a:avLst/>
-          </a:prstGeom>
-          <a:noFill/>
-        </p:spPr>
-        <p:txBody>
-          <a:bodyPr wrap="square">
-            <a:spAutoFit/>
-          </a:bodyPr>
-          <a:lstStyle/>
+            <a:r>
+              <a:t>Use heuristics for layout selection</a:t>
+            </a:r>
+          </a:p>
           <a:p>
             <a:pPr>
               <a:defRPr>
@@ -3738,53 +3803,8 @@
                 </a:solidFill>
               </a:defRPr>
             </a:pPr>
-          </a:p>
-          <a:p>
-            <a:pPr>
-              <a:defRPr>
-                <a:solidFill>
-                  <a:srgbClr val="000000"/>
-                </a:solidFill>
-              </a:defRPr>
-            </a:pPr>
-            <a:r>
-              <a:t>Enforce Color Theme</a:t>
-            </a:r>
-          </a:p>
-          <a:p>
-            <a:pPr>
-              <a:defRPr>
-                <a:solidFill>
-                  <a:srgbClr val="000000"/>
-                </a:solidFill>
-              </a:defRPr>
-            </a:pPr>
-            <a:r>
-              <a:t>Choose layout based on content</a:t>
-            </a:r>
-          </a:p>
-          <a:p>
-            <a:pPr>
-              <a:defRPr>
-                <a:solidFill>
-                  <a:srgbClr val="000000"/>
-                </a:solidFill>
-              </a:defRPr>
-            </a:pPr>
-            <a:r>
-              <a:t>Maintain styling &amp; formatting guidelines</a:t>
-            </a:r>
-          </a:p>
-          <a:p>
-            <a:pPr>
-              <a:defRPr>
-                <a:solidFill>
-                  <a:srgbClr val="000000"/>
-                </a:solidFill>
-              </a:defRPr>
-            </a:pPr>
-            <a:r>
-              <a:t>Incorporate branding and design standards</a:t>
+            <a:r>
+              <a:t>Incorporate institutional design guidelines</a:t>
             </a:r>
           </a:p>
         </p:txBody>

--- a/server/uploads/SmartSlideGen.pptx
+++ b/server/uploads/SmartSlideGen.pptx
@@ -3085,14 +3085,6 @@
 <file path=ppt/slides/slide1.xml><?xml version="1.0" encoding="utf-8"?>
 <p:sld xmlns:a="http://schemas.openxmlformats.org/drawingml/2006/main" xmlns:p="http://schemas.openxmlformats.org/presentationml/2006/main" xmlns:r="http://schemas.openxmlformats.org/officeDocument/2006/relationships">
   <p:cSld>
-    <p:bg>
-      <p:bgPr>
-        <a:solidFill>
-          <a:srgbClr val="FF5733"/>
-        </a:solidFill>
-        <a:effectLst/>
-      </p:bgPr>
-    </p:bg>
     <p:spTree>
       <p:nvGrpSpPr>
         <p:cNvPr id="1" name=""/>
@@ -3100,6 +3092,30 @@
         <p:nvPr/>
       </p:nvGrpSpPr>
       <p:grpSpPr/>
+      <p:pic>
+        <p:nvPicPr>
+          <p:cNvPr id="5" name="Picture 4" descr="17.webp"/>
+          <p:cNvPicPr>
+            <a:picLocks noChangeAspect="1"/>
+          </p:cNvPicPr>
+          <p:nvPr/>
+        </p:nvPicPr>
+        <p:blipFill>
+          <a:blip r:embed="rId2"/>
+          <a:stretch>
+            <a:fillRect/>
+          </a:stretch>
+        </p:blipFill>
+        <p:spPr>
+          <a:xfrm>
+            <a:off x="0" y="0"/>
+            <a:ext cx="9144000" cy="6858000"/>
+          </a:xfrm>
+          <a:prstGeom prst="rect">
+            <a:avLst/>
+          </a:prstGeom>
+        </p:spPr>
+      </p:pic>
       <p:sp>
         <p:nvSpPr>
           <p:cNvPr id="2" name="Title 1"/>
@@ -3123,7 +3139,7 @@
               </a:defRPr>
             </a:pPr>
             <a:r>
-              <a:t>AI-driven Pipeline for Word to PowerPoint Conversion</a:t>
+              <a:t>AI-Driven Pipeline for Word to PowerPoint Conversion</a:t>
             </a:r>
           </a:p>
         </p:txBody>
@@ -3192,7 +3208,7 @@
               </a:defRPr>
             </a:pPr>
             <a:r>
-              <a:t>Develop AI-driven pipeline for conversion</a:t>
+              <a:t>Develop a pipeline using AI technology</a:t>
             </a:r>
           </a:p>
           <a:p>
@@ -3216,7 +3232,7 @@
               </a:defRPr>
             </a:pPr>
             <a:r>
-              <a:t>Identify and extract relevant figures</a:t>
+              <a:t>Identify and extract relevant figures from the document</a:t>
             </a:r>
           </a:p>
         </p:txBody>
@@ -3232,14 +3248,6 @@
 <file path=ppt/slides/slide2.xml><?xml version="1.0" encoding="utf-8"?>
 <p:sld xmlns:a="http://schemas.openxmlformats.org/drawingml/2006/main" xmlns:p="http://schemas.openxmlformats.org/presentationml/2006/main" xmlns:r="http://schemas.openxmlformats.org/officeDocument/2006/relationships">
   <p:cSld>
-    <p:bg>
-      <p:bgPr>
-        <a:solidFill>
-          <a:srgbClr val="FF5733"/>
-        </a:solidFill>
-        <a:effectLst/>
-      </p:bgPr>
-    </p:bg>
     <p:spTree>
       <p:nvGrpSpPr>
         <p:cNvPr id="1" name=""/>
@@ -3247,6 +3255,30 @@
         <p:nvPr/>
       </p:nvGrpSpPr>
       <p:grpSpPr/>
+      <p:pic>
+        <p:nvPicPr>
+          <p:cNvPr id="5" name="Picture 4" descr="17.webp"/>
+          <p:cNvPicPr>
+            <a:picLocks noChangeAspect="1"/>
+          </p:cNvPicPr>
+          <p:nvPr/>
+        </p:nvPicPr>
+        <p:blipFill>
+          <a:blip r:embed="rId2"/>
+          <a:stretch>
+            <a:fillRect/>
+          </a:stretch>
+        </p:blipFill>
+        <p:spPr>
+          <a:xfrm>
+            <a:off x="0" y="0"/>
+            <a:ext cx="9144000" cy="6858000"/>
+          </a:xfrm>
+          <a:prstGeom prst="rect">
+            <a:avLst/>
+          </a:prstGeom>
+        </p:spPr>
+      </p:pic>
       <p:sp>
         <p:nvSpPr>
           <p:cNvPr id="2" name="Title 1"/>
@@ -3339,7 +3371,7 @@
               </a:defRPr>
             </a:pPr>
             <a:r>
-              <a:t>Use generative AI for better visual explanation</a:t>
+              <a:t>Use generative AI to create new figures</a:t>
             </a:r>
           </a:p>
           <a:p>
@@ -3351,7 +3383,7 @@
               </a:defRPr>
             </a:pPr>
             <a:r>
-              <a:t>Create new figures for text content</a:t>
+              <a:t>Apply coherent design or color theme for consistency</a:t>
             </a:r>
           </a:p>
           <a:p>
@@ -3363,7 +3395,7 @@
               </a:defRPr>
             </a:pPr>
             <a:r>
-              <a:t>Utilize generative AI for text-to-image generation</a:t>
+              <a:t>Utilize generative AI for text-to-image or diagram generation</a:t>
             </a:r>
           </a:p>
         </p:txBody>
@@ -3379,14 +3411,6 @@
 <file path=ppt/slides/slide3.xml><?xml version="1.0" encoding="utf-8"?>
 <p:sld xmlns:a="http://schemas.openxmlformats.org/drawingml/2006/main" xmlns:p="http://schemas.openxmlformats.org/presentationml/2006/main" xmlns:r="http://schemas.openxmlformats.org/officeDocument/2006/relationships">
   <p:cSld>
-    <p:bg>
-      <p:bgPr>
-        <a:solidFill>
-          <a:srgbClr val="FF5733"/>
-        </a:solidFill>
-        <a:effectLst/>
-      </p:bgPr>
-    </p:bg>
     <p:spTree>
       <p:nvGrpSpPr>
         <p:cNvPr id="1" name=""/>
@@ -3394,6 +3418,30 @@
         <p:nvPr/>
       </p:nvGrpSpPr>
       <p:grpSpPr/>
+      <p:pic>
+        <p:nvPicPr>
+          <p:cNvPr id="5" name="Picture 4" descr="17.webp"/>
+          <p:cNvPicPr>
+            <a:picLocks noChangeAspect="1"/>
+          </p:cNvPicPr>
+          <p:nvPr/>
+        </p:nvPicPr>
+        <p:blipFill>
+          <a:blip r:embed="rId2"/>
+          <a:stretch>
+            <a:fillRect/>
+          </a:stretch>
+        </p:blipFill>
+        <p:spPr>
+          <a:xfrm>
+            <a:off x="0" y="0"/>
+            <a:ext cx="9144000" cy="6858000"/>
+          </a:xfrm>
+          <a:prstGeom prst="rect">
+            <a:avLst/>
+          </a:prstGeom>
+        </p:spPr>
+      </p:pic>
       <p:sp>
         <p:nvSpPr>
           <p:cNvPr id="2" name="Title 1"/>
@@ -3417,7 +3465,7 @@
               </a:defRPr>
             </a:pPr>
             <a:r>
-              <a:t>Consistent Design and Color Theme</a:t>
+              <a:t>Integration of AI Components for Presentation Automation</a:t>
             </a:r>
           </a:p>
         </p:txBody>
@@ -3486,7 +3534,7 @@
               </a:defRPr>
             </a:pPr>
             <a:r>
-              <a:t>Apply coherent design and color theme</a:t>
+              <a:t>Combine multiple AI and software components</a:t>
             </a:r>
           </a:p>
           <a:p>
@@ -3498,7 +3546,7 @@
               </a:defRPr>
             </a:pPr>
             <a:r>
-              <a:t>Enforce color theme consistency</a:t>
+              <a:t>Project tasks include text extraction, figure extraction, and slide-figure mapping</a:t>
             </a:r>
           </a:p>
           <a:p>
@@ -3510,7 +3558,7 @@
               </a:defRPr>
             </a:pPr>
             <a:r>
-              <a:t>Maintain consistency in font sizes</a:t>
+              <a:t>Automate the insertion of newly generated figures onto slides</a:t>
             </a:r>
           </a:p>
         </p:txBody>
@@ -3526,14 +3574,6 @@
 <file path=ppt/slides/slide4.xml><?xml version="1.0" encoding="utf-8"?>
 <p:sld xmlns:a="http://schemas.openxmlformats.org/drawingml/2006/main" xmlns:p="http://schemas.openxmlformats.org/presentationml/2006/main" xmlns:r="http://schemas.openxmlformats.org/officeDocument/2006/relationships">
   <p:cSld>
-    <p:bg>
-      <p:bgPr>
-        <a:solidFill>
-          <a:srgbClr val="FF5733"/>
-        </a:solidFill>
-        <a:effectLst/>
-      </p:bgPr>
-    </p:bg>
     <p:spTree>
       <p:nvGrpSpPr>
         <p:cNvPr id="1" name=""/>
@@ -3541,6 +3581,30 @@
         <p:nvPr/>
       </p:nvGrpSpPr>
       <p:grpSpPr/>
+      <p:pic>
+        <p:nvPicPr>
+          <p:cNvPr id="5" name="Picture 4" descr="17.webp"/>
+          <p:cNvPicPr>
+            <a:picLocks noChangeAspect="1"/>
+          </p:cNvPicPr>
+          <p:nvPr/>
+        </p:nvPicPr>
+        <p:blipFill>
+          <a:blip r:embed="rId2"/>
+          <a:stretch>
+            <a:fillRect/>
+          </a:stretch>
+        </p:blipFill>
+        <p:spPr>
+          <a:xfrm>
+            <a:off x="0" y="0"/>
+            <a:ext cx="9144000" cy="6858000"/>
+          </a:xfrm>
+          <a:prstGeom prst="rect">
+            <a:avLst/>
+          </a:prstGeom>
+        </p:spPr>
+      </p:pic>
       <p:sp>
         <p:nvSpPr>
           <p:cNvPr id="2" name="Title 1"/>
@@ -3564,7 +3628,7 @@
               </a:defRPr>
             </a:pPr>
             <a:r>
-              <a:t>Integration of AI and Software Components</a:t>
+              <a:t>Consistency in Design and Layout</a:t>
             </a:r>
           </a:p>
         </p:txBody>
@@ -3633,7 +3697,7 @@
               </a:defRPr>
             </a:pPr>
             <a:r>
-              <a:t>Integrate multiple AI components for presentations</a:t>
+              <a:t>Enforce color theme consistency in slide design</a:t>
             </a:r>
           </a:p>
           <a:p>
@@ -3645,7 +3709,7 @@
               </a:defRPr>
             </a:pPr>
             <a:r>
-              <a:t>Project components: text extraction, figure extraction</a:t>
+              <a:t>Maintain consistency in font sizes for all elements</a:t>
             </a:r>
           </a:p>
           <a:p>
@@ -3657,7 +3721,7 @@
               </a:defRPr>
             </a:pPr>
             <a:r>
-              <a:t>Automate insertion of newly generated figures</a:t>
+              <a:t>Use heuristics or ML-based rules for layout decisions</a:t>
             </a:r>
           </a:p>
         </p:txBody>
@@ -3673,14 +3737,6 @@
 <file path=ppt/slides/slide5.xml><?xml version="1.0" encoding="utf-8"?>
 <p:sld xmlns:a="http://schemas.openxmlformats.org/drawingml/2006/main" xmlns:p="http://schemas.openxmlformats.org/presentationml/2006/main" xmlns:r="http://schemas.openxmlformats.org/officeDocument/2006/relationships">
   <p:cSld>
-    <p:bg>
-      <p:bgPr>
-        <a:solidFill>
-          <a:srgbClr val="FF5733"/>
-        </a:solidFill>
-        <a:effectLst/>
-      </p:bgPr>
-    </p:bg>
     <p:spTree>
       <p:nvGrpSpPr>
         <p:cNvPr id="1" name=""/>
@@ -3688,6 +3744,30 @@
         <p:nvPr/>
       </p:nvGrpSpPr>
       <p:grpSpPr/>
+      <p:pic>
+        <p:nvPicPr>
+          <p:cNvPr id="5" name="Picture 4" descr="17.webp"/>
+          <p:cNvPicPr>
+            <a:picLocks noChangeAspect="1"/>
+          </p:cNvPicPr>
+          <p:nvPr/>
+        </p:nvPicPr>
+        <p:blipFill>
+          <a:blip r:embed="rId2"/>
+          <a:stretch>
+            <a:fillRect/>
+          </a:stretch>
+        </p:blipFill>
+        <p:spPr>
+          <a:xfrm>
+            <a:off x="0" y="0"/>
+            <a:ext cx="9144000" cy="6858000"/>
+          </a:xfrm>
+          <a:prstGeom prst="rect">
+            <a:avLst/>
+          </a:prstGeom>
+        </p:spPr>
+      </p:pic>
       <p:sp>
         <p:nvSpPr>
           <p:cNvPr id="2" name="Title 1"/>
@@ -3711,7 +3791,7 @@
               </a:defRPr>
             </a:pPr>
             <a:r>
-              <a:t>Slide Layout and Design Guidelines</a:t>
+              <a:t>Branding and Institutional Guidelines</a:t>
             </a:r>
           </a:p>
         </p:txBody>
@@ -3780,7 +3860,7 @@
               </a:defRPr>
             </a:pPr>
             <a:r>
-              <a:t>Understand slide layout and design principles</a:t>
+              <a:t>Incorporate course branding and design guidelines</a:t>
             </a:r>
           </a:p>
           <a:p>
@@ -3792,7 +3872,7 @@
               </a:defRPr>
             </a:pPr>
             <a:r>
-              <a:t>Use heuristics for layout selection</a:t>
+              <a:t>Ensure consistency in primary color palette and fonts</a:t>
             </a:r>
           </a:p>
           <a:p>
@@ -3804,7 +3884,7 @@
               </a:defRPr>
             </a:pPr>
             <a:r>
-              <a:t>Incorporate institutional design guidelines</a:t>
+              <a:t>Maintain consistency in styling and formatting across all slides</a:t>
             </a:r>
           </a:p>
         </p:txBody>

--- a/server/uploads/SmartSlideGen.pptx
+++ b/server/uploads/SmartSlideGen.pptx
@@ -9,7 +9,6 @@
     <p:sldId id="257" r:id="rId8"/>
     <p:sldId id="258" r:id="rId9"/>
     <p:sldId id="259" r:id="rId10"/>
-    <p:sldId id="260" r:id="rId11"/>
   </p:sldIdLst>
   <p:sldSz cx="9144000" cy="6858000" type="screen4x3"/>
   <p:notesSz cx="6858000" cy="9144000"/>
@@ -3094,7 +3093,7 @@
       <p:grpSpPr/>
       <p:pic>
         <p:nvPicPr>
-          <p:cNvPr id="5" name="Picture 4" descr="17.webp"/>
+          <p:cNvPr id="4" name="Picture 3" descr="17.webp"/>
           <p:cNvPicPr>
             <a:picLocks noChangeAspect="1"/>
           </p:cNvPicPr>
@@ -3138,40 +3137,12 @@
                 </a:solidFill>
               </a:defRPr>
             </a:pPr>
-            <a:r>
-              <a:t>AI-Driven Pipeline for Word to PowerPoint Conversion</a:t>
-            </a:r>
-          </a:p>
-        </p:txBody>
-      </p:sp>
-      <p:sp>
-        <p:nvSpPr>
-          <p:cNvPr id="3" name="Content Placeholder 2"/>
-          <p:cNvSpPr>
-            <a:spLocks noGrp="1"/>
-          </p:cNvSpPr>
-          <p:nvPr>
-            <p:ph idx="1"/>
-          </p:nvPr>
-        </p:nvSpPr>
-        <p:spPr/>
-        <p:txBody>
-          <a:bodyPr/>
-          <a:lstStyle/>
-          <a:p>
-            <a:pPr>
-              <a:defRPr>
-                <a:solidFill>
-                  <a:srgbClr val="000000"/>
-                </a:solidFill>
-              </a:defRPr>
-            </a:pPr>
-          </a:p>
-        </p:txBody>
-      </p:sp>
-      <p:sp>
-        <p:nvSpPr>
-          <p:cNvPr id="4" name="TextBox 3"/>
+          </a:p>
+        </p:txBody>
+      </p:sp>
+      <p:sp>
+        <p:nvSpPr>
+          <p:cNvPr id="3" name="TextBox 2"/>
           <p:cNvSpPr txBox="1"/>
           <p:nvPr/>
         </p:nvSpPr>
@@ -3208,31 +3179,10 @@
               </a:defRPr>
             </a:pPr>
             <a:r>
-              <a:t>Develop a pipeline using AI technology</a:t>
-            </a:r>
-          </a:p>
-          <a:p>
-            <a:pPr>
-              <a:defRPr>
-                <a:solidFill>
-                  <a:srgbClr val="000000"/>
-                </a:solidFill>
-              </a:defRPr>
-            </a:pPr>
-            <a:r>
-              <a:t>Parse and extract text content for initial slides</a:t>
-            </a:r>
-          </a:p>
-          <a:p>
-            <a:pPr>
-              <a:defRPr>
-                <a:solidFill>
-                  <a:srgbClr val="000000"/>
-                </a:solidFill>
-              </a:defRPr>
-            </a:pPr>
-            <a:r>
-              <a:t>Identify and extract relevant figures from the document</a:t>
+              <a:rPr sz="2808" b="0">
+                <a:latin typeface="Arial"/>
+              </a:rPr>
+              <a:t>...</a:t>
             </a:r>
           </a:p>
         </p:txBody>
@@ -3257,7 +3207,7 @@
       <p:grpSpPr/>
       <p:pic>
         <p:nvPicPr>
-          <p:cNvPr id="5" name="Picture 4" descr="17.webp"/>
+          <p:cNvPr id="4" name="Picture 3" descr="17.webp"/>
           <p:cNvPicPr>
             <a:picLocks noChangeAspect="1"/>
           </p:cNvPicPr>
@@ -3302,39 +3252,15 @@
               </a:defRPr>
             </a:pPr>
             <a:r>
-              <a:t>Generative AI Techniques for Visual Explanation</a:t>
-            </a:r>
-          </a:p>
-        </p:txBody>
-      </p:sp>
-      <p:sp>
-        <p:nvSpPr>
-          <p:cNvPr id="3" name="Content Placeholder 2"/>
-          <p:cNvSpPr>
-            <a:spLocks noGrp="1"/>
-          </p:cNvSpPr>
-          <p:nvPr>
-            <p:ph idx="1"/>
-          </p:nvPr>
-        </p:nvSpPr>
-        <p:spPr/>
-        <p:txBody>
-          <a:bodyPr/>
-          <a:lstStyle/>
-          <a:p>
-            <a:pPr>
-              <a:defRPr>
-                <a:solidFill>
-                  <a:srgbClr val="000000"/>
-                </a:solidFill>
-              </a:defRPr>
-            </a:pPr>
-          </a:p>
-        </p:txBody>
-      </p:sp>
-      <p:sp>
-        <p:nvSpPr>
-          <p:cNvPr id="4" name="TextBox 3"/>
+              <a:rPr sz="4032"/>
+              <a:t>...</a:t>
+            </a:r>
+          </a:p>
+        </p:txBody>
+      </p:sp>
+      <p:sp>
+        <p:nvSpPr>
+          <p:cNvPr id="3" name="TextBox 2"/>
           <p:cNvSpPr txBox="1"/>
           <p:nvPr/>
         </p:nvSpPr>
@@ -3371,31 +3297,10 @@
               </a:defRPr>
             </a:pPr>
             <a:r>
-              <a:t>Use generative AI to create new figures</a:t>
-            </a:r>
-          </a:p>
-          <a:p>
-            <a:pPr>
-              <a:defRPr>
-                <a:solidFill>
-                  <a:srgbClr val="000000"/>
-                </a:solidFill>
-              </a:defRPr>
-            </a:pPr>
-            <a:r>
-              <a:t>Apply coherent design or color theme for consistency</a:t>
-            </a:r>
-          </a:p>
-          <a:p>
-            <a:pPr>
-              <a:defRPr>
-                <a:solidFill>
-                  <a:srgbClr val="000000"/>
-                </a:solidFill>
-              </a:defRPr>
-            </a:pPr>
-            <a:r>
-              <a:t>Utilize generative AI for text-to-image or diagram generation</a:t>
+              <a:rPr sz="2808" b="0">
+                <a:latin typeface="Arial"/>
+              </a:rPr>
+              <a:t>...</a:t>
             </a:r>
           </a:p>
         </p:txBody>
@@ -3420,7 +3325,7 @@
       <p:grpSpPr/>
       <p:pic>
         <p:nvPicPr>
-          <p:cNvPr id="5" name="Picture 4" descr="17.webp"/>
+          <p:cNvPr id="4" name="Picture 3" descr="17.webp"/>
           <p:cNvPicPr>
             <a:picLocks noChangeAspect="1"/>
           </p:cNvPicPr>
@@ -3465,39 +3370,15 @@
               </a:defRPr>
             </a:pPr>
             <a:r>
-              <a:t>Integration of AI Components for Presentation Automation</a:t>
-            </a:r>
-          </a:p>
-        </p:txBody>
-      </p:sp>
-      <p:sp>
-        <p:nvSpPr>
-          <p:cNvPr id="3" name="Content Placeholder 2"/>
-          <p:cNvSpPr>
-            <a:spLocks noGrp="1"/>
-          </p:cNvSpPr>
-          <p:nvPr>
-            <p:ph idx="1"/>
-          </p:nvPr>
-        </p:nvSpPr>
-        <p:spPr/>
-        <p:txBody>
-          <a:bodyPr/>
-          <a:lstStyle/>
-          <a:p>
-            <a:pPr>
-              <a:defRPr>
-                <a:solidFill>
-                  <a:srgbClr val="000000"/>
-                </a:solidFill>
-              </a:defRPr>
-            </a:pPr>
-          </a:p>
-        </p:txBody>
-      </p:sp>
-      <p:sp>
-        <p:nvSpPr>
-          <p:cNvPr id="4" name="TextBox 3"/>
+              <a:rPr sz="4032"/>
+              <a:t>...</a:t>
+            </a:r>
+          </a:p>
+        </p:txBody>
+      </p:sp>
+      <p:sp>
+        <p:nvSpPr>
+          <p:cNvPr id="3" name="TextBox 2"/>
           <p:cNvSpPr txBox="1"/>
           <p:nvPr/>
         </p:nvSpPr>
@@ -3534,31 +3415,10 @@
               </a:defRPr>
             </a:pPr>
             <a:r>
-              <a:t>Combine multiple AI and software components</a:t>
-            </a:r>
-          </a:p>
-          <a:p>
-            <a:pPr>
-              <a:defRPr>
-                <a:solidFill>
-                  <a:srgbClr val="000000"/>
-                </a:solidFill>
-              </a:defRPr>
-            </a:pPr>
-            <a:r>
-              <a:t>Project tasks include text extraction, figure extraction, and slide-figure mapping</a:t>
-            </a:r>
-          </a:p>
-          <a:p>
-            <a:pPr>
-              <a:defRPr>
-                <a:solidFill>
-                  <a:srgbClr val="000000"/>
-                </a:solidFill>
-              </a:defRPr>
-            </a:pPr>
-            <a:r>
-              <a:t>Automate the insertion of newly generated figures onto slides</a:t>
+              <a:rPr sz="2808" b="0">
+                <a:latin typeface="Arial"/>
+              </a:rPr>
+              <a:t>...</a:t>
             </a:r>
           </a:p>
         </p:txBody>
@@ -3583,7 +3443,7 @@
       <p:grpSpPr/>
       <p:pic>
         <p:nvPicPr>
-          <p:cNvPr id="5" name="Picture 4" descr="17.webp"/>
+          <p:cNvPr id="4" name="Picture 3" descr="17.webp"/>
           <p:cNvPicPr>
             <a:picLocks noChangeAspect="1"/>
           </p:cNvPicPr>
@@ -3628,39 +3488,15 @@
               </a:defRPr>
             </a:pPr>
             <a:r>
-              <a:t>Consistency in Design and Layout</a:t>
-            </a:r>
-          </a:p>
-        </p:txBody>
-      </p:sp>
-      <p:sp>
-        <p:nvSpPr>
-          <p:cNvPr id="3" name="Content Placeholder 2"/>
-          <p:cNvSpPr>
-            <a:spLocks noGrp="1"/>
-          </p:cNvSpPr>
-          <p:nvPr>
-            <p:ph idx="1"/>
-          </p:nvPr>
-        </p:nvSpPr>
-        <p:spPr/>
-        <p:txBody>
-          <a:bodyPr/>
-          <a:lstStyle/>
-          <a:p>
-            <a:pPr>
-              <a:defRPr>
-                <a:solidFill>
-                  <a:srgbClr val="000000"/>
-                </a:solidFill>
-              </a:defRPr>
-            </a:pPr>
-          </a:p>
-        </p:txBody>
-      </p:sp>
-      <p:sp>
-        <p:nvSpPr>
-          <p:cNvPr id="4" name="TextBox 3"/>
+              <a:rPr sz="4032"/>
+              <a:t>...</a:t>
+            </a:r>
+          </a:p>
+        </p:txBody>
+      </p:sp>
+      <p:sp>
+        <p:nvSpPr>
+          <p:cNvPr id="3" name="TextBox 2"/>
           <p:cNvSpPr txBox="1"/>
           <p:nvPr/>
         </p:nvSpPr>
@@ -3697,194 +3533,10 @@
               </a:defRPr>
             </a:pPr>
             <a:r>
-              <a:t>Enforce color theme consistency in slide design</a:t>
-            </a:r>
-          </a:p>
-          <a:p>
-            <a:pPr>
-              <a:defRPr>
-                <a:solidFill>
-                  <a:srgbClr val="000000"/>
-                </a:solidFill>
-              </a:defRPr>
-            </a:pPr>
-            <a:r>
-              <a:t>Maintain consistency in font sizes for all elements</a:t>
-            </a:r>
-          </a:p>
-          <a:p>
-            <a:pPr>
-              <a:defRPr>
-                <a:solidFill>
-                  <a:srgbClr val="000000"/>
-                </a:solidFill>
-              </a:defRPr>
-            </a:pPr>
-            <a:r>
-              <a:t>Use heuristics or ML-based rules for layout decisions</a:t>
-            </a:r>
-          </a:p>
-        </p:txBody>
-      </p:sp>
-    </p:spTree>
-  </p:cSld>
-  <p:clrMapOvr>
-    <a:masterClrMapping/>
-  </p:clrMapOvr>
-</p:sld>
-</file>
-
-<file path=ppt/slides/slide5.xml><?xml version="1.0" encoding="utf-8"?>
-<p:sld xmlns:a="http://schemas.openxmlformats.org/drawingml/2006/main" xmlns:p="http://schemas.openxmlformats.org/presentationml/2006/main" xmlns:r="http://schemas.openxmlformats.org/officeDocument/2006/relationships">
-  <p:cSld>
-    <p:spTree>
-      <p:nvGrpSpPr>
-        <p:cNvPr id="1" name=""/>
-        <p:cNvGrpSpPr/>
-        <p:nvPr/>
-      </p:nvGrpSpPr>
-      <p:grpSpPr/>
-      <p:pic>
-        <p:nvPicPr>
-          <p:cNvPr id="5" name="Picture 4" descr="17.webp"/>
-          <p:cNvPicPr>
-            <a:picLocks noChangeAspect="1"/>
-          </p:cNvPicPr>
-          <p:nvPr/>
-        </p:nvPicPr>
-        <p:blipFill>
-          <a:blip r:embed="rId2"/>
-          <a:stretch>
-            <a:fillRect/>
-          </a:stretch>
-        </p:blipFill>
-        <p:spPr>
-          <a:xfrm>
-            <a:off x="0" y="0"/>
-            <a:ext cx="9144000" cy="6858000"/>
-          </a:xfrm>
-          <a:prstGeom prst="rect">
-            <a:avLst/>
-          </a:prstGeom>
-        </p:spPr>
-      </p:pic>
-      <p:sp>
-        <p:nvSpPr>
-          <p:cNvPr id="2" name="Title 1"/>
-          <p:cNvSpPr>
-            <a:spLocks noGrp="1"/>
-          </p:cNvSpPr>
-          <p:nvPr>
-            <p:ph type="title"/>
-          </p:nvPr>
-        </p:nvSpPr>
-        <p:spPr/>
-        <p:txBody>
-          <a:bodyPr/>
-          <a:lstStyle/>
-          <a:p>
-            <a:pPr>
-              <a:defRPr>
-                <a:solidFill>
-                  <a:srgbClr val="000000"/>
-                </a:solidFill>
-              </a:defRPr>
-            </a:pPr>
-            <a:r>
-              <a:t>Branding and Institutional Guidelines</a:t>
-            </a:r>
-          </a:p>
-        </p:txBody>
-      </p:sp>
-      <p:sp>
-        <p:nvSpPr>
-          <p:cNvPr id="3" name="Content Placeholder 2"/>
-          <p:cNvSpPr>
-            <a:spLocks noGrp="1"/>
-          </p:cNvSpPr>
-          <p:nvPr>
-            <p:ph idx="1"/>
-          </p:nvPr>
-        </p:nvSpPr>
-        <p:spPr/>
-        <p:txBody>
-          <a:bodyPr/>
-          <a:lstStyle/>
-          <a:p>
-            <a:pPr>
-              <a:defRPr>
-                <a:solidFill>
-                  <a:srgbClr val="000000"/>
-                </a:solidFill>
-              </a:defRPr>
-            </a:pPr>
-          </a:p>
-        </p:txBody>
-      </p:sp>
-      <p:sp>
-        <p:nvSpPr>
-          <p:cNvPr id="4" name="TextBox 3"/>
-          <p:cNvSpPr txBox="1"/>
-          <p:nvPr/>
-        </p:nvSpPr>
-        <p:spPr>
-          <a:xfrm>
-            <a:off x="914400" y="1828800"/>
-            <a:ext cx="7315200" cy="3657600"/>
-          </a:xfrm>
-          <a:prstGeom prst="rect">
-            <a:avLst/>
-          </a:prstGeom>
-          <a:noFill/>
-        </p:spPr>
-        <p:txBody>
-          <a:bodyPr wrap="square">
-            <a:spAutoFit/>
-          </a:bodyPr>
-          <a:lstStyle/>
-          <a:p>
-            <a:pPr>
-              <a:defRPr>
-                <a:solidFill>
-                  <a:srgbClr val="000000"/>
-                </a:solidFill>
-              </a:defRPr>
-            </a:pPr>
-          </a:p>
-          <a:p>
-            <a:pPr>
-              <a:defRPr>
-                <a:solidFill>
-                  <a:srgbClr val="000000"/>
-                </a:solidFill>
-              </a:defRPr>
-            </a:pPr>
-            <a:r>
-              <a:t>Incorporate course branding and design guidelines</a:t>
-            </a:r>
-          </a:p>
-          <a:p>
-            <a:pPr>
-              <a:defRPr>
-                <a:solidFill>
-                  <a:srgbClr val="000000"/>
-                </a:solidFill>
-              </a:defRPr>
-            </a:pPr>
-            <a:r>
-              <a:t>Ensure consistency in primary color palette and fonts</a:t>
-            </a:r>
-          </a:p>
-          <a:p>
-            <a:pPr>
-              <a:defRPr>
-                <a:solidFill>
-                  <a:srgbClr val="000000"/>
-                </a:solidFill>
-              </a:defRPr>
-            </a:pPr>
-            <a:r>
-              <a:t>Maintain consistency in styling and formatting across all slides</a:t>
+              <a:rPr sz="2808" b="0">
+                <a:latin typeface="Arial"/>
+              </a:rPr>
+              <a:t>...</a:t>
             </a:r>
           </a:p>
         </p:txBody>

--- a/server/uploads/SmartSlideGen.pptx
+++ b/server/uploads/SmartSlideGen.pptx
@@ -9,6 +9,7 @@
     <p:sldId id="257" r:id="rId8"/>
     <p:sldId id="258" r:id="rId9"/>
     <p:sldId id="259" r:id="rId10"/>
+    <p:sldId id="260" r:id="rId11"/>
   </p:sldIdLst>
   <p:sldSz cx="9144000" cy="6858000" type="screen4x3"/>
   <p:notesSz cx="6858000" cy="9144000"/>
@@ -3093,7 +3094,7 @@
       <p:grpSpPr/>
       <p:pic>
         <p:nvPicPr>
-          <p:cNvPr id="4" name="Picture 3" descr="17.webp"/>
+          <p:cNvPr id="4" name="Picture 3" descr="18.webp"/>
           <p:cNvPicPr>
             <a:picLocks noChangeAspect="1"/>
           </p:cNvPicPr>
@@ -3137,6 +3138,10 @@
                 </a:solidFill>
               </a:defRPr>
             </a:pPr>
+            <a:r>
+              <a:rPr sz="4032"/>
+              <a:t>AI-Driven Pipeline for PowerPoint Presentations</a:t>
+            </a:r>
           </a:p>
         </p:txBody>
       </p:sp>
@@ -3179,10 +3184,34 @@
               </a:defRPr>
             </a:pPr>
             <a:r>
-              <a:rPr sz="2808" b="0">
-                <a:latin typeface="Arial"/>
-              </a:rPr>
-              <a:t>...</a:t>
+              <a:rPr sz="2800"/>
+              <a:t>• Develop pipeline to convert Word documents into presentations</a:t>
+            </a:r>
+          </a:p>
+          <a:p>
+            <a:pPr>
+              <a:defRPr>
+                <a:solidFill>
+                  <a:srgbClr val="000000"/>
+                </a:solidFill>
+              </a:defRPr>
+            </a:pPr>
+            <a:r>
+              <a:rPr sz="2800"/>
+              <a:t>• Parse and extract text content for initial slides</a:t>
+            </a:r>
+          </a:p>
+          <a:p>
+            <a:pPr>
+              <a:defRPr>
+                <a:solidFill>
+                  <a:srgbClr val="000000"/>
+                </a:solidFill>
+              </a:defRPr>
+            </a:pPr>
+            <a:r>
+              <a:rPr sz="2800"/>
+              <a:t>• Identify and extract relevant figures</a:t>
             </a:r>
           </a:p>
         </p:txBody>
@@ -3207,7 +3236,7 @@
       <p:grpSpPr/>
       <p:pic>
         <p:nvPicPr>
-          <p:cNvPr id="4" name="Picture 3" descr="17.webp"/>
+          <p:cNvPr id="4" name="Picture 3" descr="18.webp"/>
           <p:cNvPicPr>
             <a:picLocks noChangeAspect="1"/>
           </p:cNvPicPr>
@@ -3253,7 +3282,7 @@
             </a:pPr>
             <a:r>
               <a:rPr sz="4032"/>
-              <a:t>...</a:t>
+              <a:t>Generative AI Techniques for Visual Explanation</a:t>
             </a:r>
           </a:p>
         </p:txBody>
@@ -3297,10 +3326,34 @@
               </a:defRPr>
             </a:pPr>
             <a:r>
-              <a:rPr sz="2808" b="0">
-                <a:latin typeface="Arial"/>
-              </a:rPr>
-              <a:t>...</a:t>
+              <a:rPr sz="2800"/>
+              <a:t>• Create infographics and flowcharts using AI</a:t>
+            </a:r>
+          </a:p>
+          <a:p>
+            <a:pPr>
+              <a:defRPr>
+                <a:solidFill>
+                  <a:srgbClr val="000000"/>
+                </a:solidFill>
+              </a:defRPr>
+            </a:pPr>
+            <a:r>
+              <a:rPr sz="2800"/>
+              <a:t>• Utilize text-to-image and diagram generation</a:t>
+            </a:r>
+          </a:p>
+          <a:p>
+            <a:pPr>
+              <a:defRPr>
+                <a:solidFill>
+                  <a:srgbClr val="000000"/>
+                </a:solidFill>
+              </a:defRPr>
+            </a:pPr>
+            <a:r>
+              <a:rPr sz="2800"/>
+              <a:t>• Automate insertion of newly generated figures</a:t>
             </a:r>
           </a:p>
         </p:txBody>
@@ -3325,7 +3378,7 @@
       <p:grpSpPr/>
       <p:pic>
         <p:nvPicPr>
-          <p:cNvPr id="4" name="Picture 3" descr="17.webp"/>
+          <p:cNvPr id="4" name="Picture 3" descr="18.webp"/>
           <p:cNvPicPr>
             <a:picLocks noChangeAspect="1"/>
           </p:cNvPicPr>
@@ -3371,7 +3424,7 @@
             </a:pPr>
             <a:r>
               <a:rPr sz="4032"/>
-              <a:t>...</a:t>
+              <a:t>Consistency in Design and Color Theme</a:t>
             </a:r>
           </a:p>
         </p:txBody>
@@ -3415,10 +3468,34 @@
               </a:defRPr>
             </a:pPr>
             <a:r>
-              <a:rPr sz="2808" b="0">
-                <a:latin typeface="Arial"/>
-              </a:rPr>
-              <a:t>...</a:t>
+              <a:rPr sz="2800"/>
+              <a:t>• Enforce color theme consistency in design</a:t>
+            </a:r>
+          </a:p>
+          <a:p>
+            <a:pPr>
+              <a:defRPr>
+                <a:solidFill>
+                  <a:srgbClr val="000000"/>
+                </a:solidFill>
+              </a:defRPr>
+            </a:pPr>
+            <a:r>
+              <a:rPr sz="2800"/>
+              <a:t>• Maintain consistency in font sizes</a:t>
+            </a:r>
+          </a:p>
+          <a:p>
+            <a:pPr>
+              <a:defRPr>
+                <a:solidFill>
+                  <a:srgbClr val="000000"/>
+                </a:solidFill>
+              </a:defRPr>
+            </a:pPr>
+            <a:r>
+              <a:rPr sz="2800"/>
+              <a:t>• Integrate multiple AI and software components</a:t>
             </a:r>
           </a:p>
         </p:txBody>
@@ -3443,7 +3520,7 @@
       <p:grpSpPr/>
       <p:pic>
         <p:nvPicPr>
-          <p:cNvPr id="4" name="Picture 3" descr="17.webp"/>
+          <p:cNvPr id="4" name="Picture 3" descr="18.webp"/>
           <p:cNvPicPr>
             <a:picLocks noChangeAspect="1"/>
           </p:cNvPicPr>
@@ -3489,7 +3566,7 @@
             </a:pPr>
             <a:r>
               <a:rPr sz="4032"/>
-              <a:t>...</a:t>
+              <a:t>Slide Layout and Content Mapping</a:t>
             </a:r>
           </a:p>
         </p:txBody>
@@ -3533,10 +3610,176 @@
               </a:defRPr>
             </a:pPr>
             <a:r>
-              <a:rPr sz="2808" b="0">
-                <a:latin typeface="Arial"/>
-              </a:rPr>
-              <a:t>...</a:t>
+              <a:rPr sz="2800"/>
+              <a:t>• Understand slide layout and design guidelines</a:t>
+            </a:r>
+          </a:p>
+          <a:p>
+            <a:pPr>
+              <a:defRPr>
+                <a:solidFill>
+                  <a:srgbClr val="000000"/>
+                </a:solidFill>
+              </a:defRPr>
+            </a:pPr>
+            <a:r>
+              <a:rPr sz="2800"/>
+              <a:t>• Automate slide-figure mapping</a:t>
+            </a:r>
+          </a:p>
+          <a:p>
+            <a:pPr>
+              <a:defRPr>
+                <a:solidFill>
+                  <a:srgbClr val="000000"/>
+                </a:solidFill>
+              </a:defRPr>
+            </a:pPr>
+            <a:r>
+              <a:rPr sz="2800"/>
+              <a:t>• Use NLP to detect keywords for visual aids</a:t>
+            </a:r>
+          </a:p>
+        </p:txBody>
+      </p:sp>
+    </p:spTree>
+  </p:cSld>
+  <p:clrMapOvr>
+    <a:masterClrMapping/>
+  </p:clrMapOvr>
+</p:sld>
+</file>
+
+<file path=ppt/slides/slide5.xml><?xml version="1.0" encoding="utf-8"?>
+<p:sld xmlns:a="http://schemas.openxmlformats.org/drawingml/2006/main" xmlns:p="http://schemas.openxmlformats.org/presentationml/2006/main" xmlns:r="http://schemas.openxmlformats.org/officeDocument/2006/relationships">
+  <p:cSld>
+    <p:spTree>
+      <p:nvGrpSpPr>
+        <p:cNvPr id="1" name=""/>
+        <p:cNvGrpSpPr/>
+        <p:nvPr/>
+      </p:nvGrpSpPr>
+      <p:grpSpPr/>
+      <p:pic>
+        <p:nvPicPr>
+          <p:cNvPr id="4" name="Picture 3" descr="18.webp"/>
+          <p:cNvPicPr>
+            <a:picLocks noChangeAspect="1"/>
+          </p:cNvPicPr>
+          <p:nvPr/>
+        </p:nvPicPr>
+        <p:blipFill>
+          <a:blip r:embed="rId2"/>
+          <a:stretch>
+            <a:fillRect/>
+          </a:stretch>
+        </p:blipFill>
+        <p:spPr>
+          <a:xfrm>
+            <a:off x="0" y="0"/>
+            <a:ext cx="9144000" cy="6858000"/>
+          </a:xfrm>
+          <a:prstGeom prst="rect">
+            <a:avLst/>
+          </a:prstGeom>
+        </p:spPr>
+      </p:pic>
+      <p:sp>
+        <p:nvSpPr>
+          <p:cNvPr id="2" name="Title 1"/>
+          <p:cNvSpPr>
+            <a:spLocks noGrp="1"/>
+          </p:cNvSpPr>
+          <p:nvPr>
+            <p:ph type="title"/>
+          </p:nvPr>
+        </p:nvSpPr>
+        <p:spPr/>
+        <p:txBody>
+          <a:bodyPr/>
+          <a:lstStyle/>
+          <a:p>
+            <a:pPr>
+              <a:defRPr>
+                <a:solidFill>
+                  <a:srgbClr val="000000"/>
+                </a:solidFill>
+              </a:defRPr>
+            </a:pPr>
+            <a:r>
+              <a:rPr sz="4032"/>
+              <a:t>Institutional Design Guidelines and Branding</a:t>
+            </a:r>
+          </a:p>
+        </p:txBody>
+      </p:sp>
+      <p:sp>
+        <p:nvSpPr>
+          <p:cNvPr id="3" name="TextBox 2"/>
+          <p:cNvSpPr txBox="1"/>
+          <p:nvPr/>
+        </p:nvSpPr>
+        <p:spPr>
+          <a:xfrm>
+            <a:off x="914400" y="1828800"/>
+            <a:ext cx="7315200" cy="3657600"/>
+          </a:xfrm>
+          <a:prstGeom prst="rect">
+            <a:avLst/>
+          </a:prstGeom>
+          <a:noFill/>
+        </p:spPr>
+        <p:txBody>
+          <a:bodyPr wrap="square">
+            <a:spAutoFit/>
+          </a:bodyPr>
+          <a:lstStyle/>
+          <a:p>
+            <a:pPr>
+              <a:defRPr>
+                <a:solidFill>
+                  <a:srgbClr val="000000"/>
+                </a:solidFill>
+              </a:defRPr>
+            </a:pPr>
+          </a:p>
+          <a:p>
+            <a:pPr>
+              <a:defRPr>
+                <a:solidFill>
+                  <a:srgbClr val="000000"/>
+                </a:solidFill>
+              </a:defRPr>
+            </a:pPr>
+            <a:r>
+              <a:rPr sz="2800"/>
+              <a:t>• Incorporate branding and design guidelines</a:t>
+            </a:r>
+          </a:p>
+          <a:p>
+            <a:pPr>
+              <a:defRPr>
+                <a:solidFill>
+                  <a:srgbClr val="000000"/>
+                </a:solidFill>
+              </a:defRPr>
+            </a:pPr>
+            <a:r>
+              <a:rPr sz="2800"/>
+              <a:t>• Ensure consistency in primary color palette</a:t>
+            </a:r>
+          </a:p>
+          <a:p>
+            <a:pPr>
+              <a:defRPr>
+                <a:solidFill>
+                  <a:srgbClr val="000000"/>
+                </a:solidFill>
+              </a:defRPr>
+            </a:pPr>
+            <a:r>
+              <a:rPr sz="2800"/>
+              <a:t>• Maintain font and layout guidelines across all slides</a:t>
             </a:r>
           </a:p>
         </p:txBody>
